--- a/report/PPT模板.pptx
+++ b/report/PPT模板.pptx
@@ -2262,7 +2262,7 @@
           </a:ln>
           <a:extLst>
             <a:ext uri="{C572A759-6A51-4108-AA02-DFA0A04FC94B}">
-              <ma14:wrappingTextBoxFlag xmlns="" xmlns:m="http://schemas.openxmlformats.org/officeDocument/2006/math" xmlns:a14="http://schemas.microsoft.com/office/drawing/2010/main" xmlns:ma14="http://schemas.microsoft.com/office/mac/drawingml/2011/main" val="1"/>
+              <ma14:wrappingTextBoxFlag xmlns:ma14="http://schemas.microsoft.com/office/mac/drawingml/2011/main" xmlns:a14="http://schemas.microsoft.com/office/drawing/2010/main" xmlns:m="http://schemas.openxmlformats.org/officeDocument/2006/math" xmlns="" val="1"/>
             </a:ext>
           </a:extLst>
         </p:spPr>
@@ -2301,7 +2301,7 @@
           </a:ln>
           <a:extLst>
             <a:ext uri="{C572A759-6A51-4108-AA02-DFA0A04FC94B}">
-              <ma14:wrappingTextBoxFlag xmlns="" xmlns:m="http://schemas.openxmlformats.org/officeDocument/2006/math" xmlns:a14="http://schemas.microsoft.com/office/drawing/2010/main" xmlns:ma14="http://schemas.microsoft.com/office/mac/drawingml/2011/main" val="1"/>
+              <ma14:wrappingTextBoxFlag xmlns:ma14="http://schemas.microsoft.com/office/mac/drawingml/2011/main" xmlns:a14="http://schemas.microsoft.com/office/drawing/2010/main" xmlns:m="http://schemas.openxmlformats.org/officeDocument/2006/math" xmlns="" val="1"/>
             </a:ext>
           </a:extLst>
         </p:spPr>
@@ -5260,7 +5260,7 @@
           </a:ln>
           <a:extLst>
             <a:ext uri="{C572A759-6A51-4108-AA02-DFA0A04FC94B}">
-              <ma14:wrappingTextBoxFlag xmlns="" xmlns:m="http://schemas.openxmlformats.org/officeDocument/2006/math" xmlns:a14="http://schemas.microsoft.com/office/drawing/2010/main" xmlns:ma14="http://schemas.microsoft.com/office/mac/drawingml/2011/main" val="1"/>
+              <ma14:wrappingTextBoxFlag xmlns:ma14="http://schemas.microsoft.com/office/mac/drawingml/2011/main" xmlns:a14="http://schemas.microsoft.com/office/drawing/2010/main" xmlns:m="http://schemas.openxmlformats.org/officeDocument/2006/math" xmlns="" val="1"/>
             </a:ext>
           </a:extLst>
         </p:spPr>
@@ -5357,7 +5357,7 @@
           </a:ln>
           <a:extLst>
             <a:ext uri="{C572A759-6A51-4108-AA02-DFA0A04FC94B}">
-              <ma14:wrappingTextBoxFlag xmlns="" xmlns:m="http://schemas.openxmlformats.org/officeDocument/2006/math" xmlns:a14="http://schemas.microsoft.com/office/drawing/2010/main" xmlns:ma14="http://schemas.microsoft.com/office/mac/drawingml/2011/main" val="1"/>
+              <ma14:wrappingTextBoxFlag xmlns:ma14="http://schemas.microsoft.com/office/mac/drawingml/2011/main" xmlns:a14="http://schemas.microsoft.com/office/drawing/2010/main" xmlns:m="http://schemas.openxmlformats.org/officeDocument/2006/math" xmlns="" val="1"/>
             </a:ext>
           </a:extLst>
         </p:spPr>
@@ -6152,7 +6152,7 @@
             <a:effectLst/>
             <a:extLst>
               <a:ext uri="{C572A759-6A51-4108-AA02-DFA0A04FC94B}">
-                <ma14:wrappingTextBoxFlag xmlns="" xmlns:m="http://schemas.openxmlformats.org/officeDocument/2006/math" xmlns:a14="http://schemas.microsoft.com/office/drawing/2010/main" xmlns:ma14="http://schemas.microsoft.com/office/mac/drawingml/2011/main" val="1"/>
+                <ma14:wrappingTextBoxFlag xmlns:ma14="http://schemas.microsoft.com/office/mac/drawingml/2011/main" xmlns:a14="http://schemas.microsoft.com/office/drawing/2010/main" xmlns:m="http://schemas.openxmlformats.org/officeDocument/2006/math" xmlns="" val="1"/>
               </a:ext>
             </a:extLst>
           </p:spPr>
@@ -6208,7 +6208,7 @@
             <a:effectLst/>
             <a:extLst>
               <a:ext uri="{C572A759-6A51-4108-AA02-DFA0A04FC94B}">
-                <ma14:wrappingTextBoxFlag xmlns="" xmlns:m="http://schemas.openxmlformats.org/officeDocument/2006/math" xmlns:a14="http://schemas.microsoft.com/office/drawing/2010/main" xmlns:ma14="http://schemas.microsoft.com/office/mac/drawingml/2011/main" val="1"/>
+                <ma14:wrappingTextBoxFlag xmlns:ma14="http://schemas.microsoft.com/office/mac/drawingml/2011/main" xmlns:a14="http://schemas.microsoft.com/office/drawing/2010/main" xmlns:m="http://schemas.openxmlformats.org/officeDocument/2006/math" xmlns="" val="1"/>
               </a:ext>
             </a:extLst>
           </p:spPr>
@@ -6256,7 +6256,7 @@
             <a:effectLst/>
             <a:extLst>
               <a:ext uri="{C572A759-6A51-4108-AA02-DFA0A04FC94B}">
-                <ma14:wrappingTextBoxFlag xmlns="" xmlns:m="http://schemas.openxmlformats.org/officeDocument/2006/math" xmlns:a14="http://schemas.microsoft.com/office/drawing/2010/main" xmlns:ma14="http://schemas.microsoft.com/office/mac/drawingml/2011/main" val="1"/>
+                <ma14:wrappingTextBoxFlag xmlns:ma14="http://schemas.microsoft.com/office/mac/drawingml/2011/main" xmlns:a14="http://schemas.microsoft.com/office/drawing/2010/main" xmlns:m="http://schemas.openxmlformats.org/officeDocument/2006/math" xmlns="" val="1"/>
               </a:ext>
             </a:extLst>
           </p:spPr>
@@ -6362,7 +6362,7 @@
             <a:effectLst/>
             <a:extLst>
               <a:ext uri="{C572A759-6A51-4108-AA02-DFA0A04FC94B}">
-                <ma14:wrappingTextBoxFlag xmlns="" xmlns:m="http://schemas.openxmlformats.org/officeDocument/2006/math" xmlns:a14="http://schemas.microsoft.com/office/drawing/2010/main" xmlns:ma14="http://schemas.microsoft.com/office/mac/drawingml/2011/main" val="1"/>
+                <ma14:wrappingTextBoxFlag xmlns:ma14="http://schemas.microsoft.com/office/mac/drawingml/2011/main" xmlns:a14="http://schemas.microsoft.com/office/drawing/2010/main" xmlns:m="http://schemas.openxmlformats.org/officeDocument/2006/math" xmlns="" val="1"/>
               </a:ext>
             </a:extLst>
           </p:spPr>
@@ -6418,7 +6418,7 @@
             <a:effectLst/>
             <a:extLst>
               <a:ext uri="{C572A759-6A51-4108-AA02-DFA0A04FC94B}">
-                <ma14:wrappingTextBoxFlag xmlns="" xmlns:m="http://schemas.openxmlformats.org/officeDocument/2006/math" xmlns:a14="http://schemas.microsoft.com/office/drawing/2010/main" xmlns:ma14="http://schemas.microsoft.com/office/mac/drawingml/2011/main" val="1"/>
+                <ma14:wrappingTextBoxFlag xmlns:ma14="http://schemas.microsoft.com/office/mac/drawingml/2011/main" xmlns:a14="http://schemas.microsoft.com/office/drawing/2010/main" xmlns:m="http://schemas.openxmlformats.org/officeDocument/2006/math" xmlns="" val="1"/>
               </a:ext>
             </a:extLst>
           </p:spPr>
@@ -6466,7 +6466,7 @@
             <a:effectLst/>
             <a:extLst>
               <a:ext uri="{C572A759-6A51-4108-AA02-DFA0A04FC94B}">
-                <ma14:wrappingTextBoxFlag xmlns="" xmlns:m="http://schemas.openxmlformats.org/officeDocument/2006/math" xmlns:a14="http://schemas.microsoft.com/office/drawing/2010/main" xmlns:ma14="http://schemas.microsoft.com/office/mac/drawingml/2011/main" val="1"/>
+                <ma14:wrappingTextBoxFlag xmlns:ma14="http://schemas.microsoft.com/office/mac/drawingml/2011/main" xmlns:a14="http://schemas.microsoft.com/office/drawing/2010/main" xmlns:m="http://schemas.openxmlformats.org/officeDocument/2006/math" xmlns="" val="1"/>
               </a:ext>
             </a:extLst>
           </p:spPr>
@@ -6565,7 +6565,7 @@
             <a:effectLst/>
             <a:extLst>
               <a:ext uri="{C572A759-6A51-4108-AA02-DFA0A04FC94B}">
-                <ma14:wrappingTextBoxFlag xmlns="" xmlns:m="http://schemas.openxmlformats.org/officeDocument/2006/math" xmlns:a14="http://schemas.microsoft.com/office/drawing/2010/main" xmlns:ma14="http://schemas.microsoft.com/office/mac/drawingml/2011/main" val="1"/>
+                <ma14:wrappingTextBoxFlag xmlns:ma14="http://schemas.microsoft.com/office/mac/drawingml/2011/main" xmlns:a14="http://schemas.microsoft.com/office/drawing/2010/main" xmlns:m="http://schemas.openxmlformats.org/officeDocument/2006/math" xmlns="" val="1"/>
               </a:ext>
             </a:extLst>
           </p:spPr>
@@ -6621,7 +6621,7 @@
             <a:effectLst/>
             <a:extLst>
               <a:ext uri="{C572A759-6A51-4108-AA02-DFA0A04FC94B}">
-                <ma14:wrappingTextBoxFlag xmlns="" xmlns:m="http://schemas.openxmlformats.org/officeDocument/2006/math" xmlns:a14="http://schemas.microsoft.com/office/drawing/2010/main" xmlns:ma14="http://schemas.microsoft.com/office/mac/drawingml/2011/main" val="1"/>
+                <ma14:wrappingTextBoxFlag xmlns:ma14="http://schemas.microsoft.com/office/mac/drawingml/2011/main" xmlns:a14="http://schemas.microsoft.com/office/drawing/2010/main" xmlns:m="http://schemas.openxmlformats.org/officeDocument/2006/math" xmlns="" val="1"/>
               </a:ext>
             </a:extLst>
           </p:spPr>
@@ -6676,7 +6676,7 @@
             <a:effectLst/>
             <a:extLst>
               <a:ext uri="{C572A759-6A51-4108-AA02-DFA0A04FC94B}">
-                <ma14:wrappingTextBoxFlag xmlns="" xmlns:m="http://schemas.openxmlformats.org/officeDocument/2006/math" xmlns:a14="http://schemas.microsoft.com/office/drawing/2010/main" xmlns:ma14="http://schemas.microsoft.com/office/mac/drawingml/2011/main" val="1"/>
+                <ma14:wrappingTextBoxFlag xmlns:ma14="http://schemas.microsoft.com/office/mac/drawingml/2011/main" xmlns:a14="http://schemas.microsoft.com/office/drawing/2010/main" xmlns:m="http://schemas.openxmlformats.org/officeDocument/2006/math" xmlns="" val="1"/>
               </a:ext>
             </a:extLst>
           </p:spPr>
@@ -6736,7 +6736,7 @@
           <a:effectLst/>
           <a:extLst>
             <a:ext uri="{C572A759-6A51-4108-AA02-DFA0A04FC94B}">
-              <ma14:wrappingTextBoxFlag xmlns="" xmlns:m="http://schemas.openxmlformats.org/officeDocument/2006/math" xmlns:a14="http://schemas.microsoft.com/office/drawing/2010/main" xmlns:ma14="http://schemas.microsoft.com/office/mac/drawingml/2011/main" val="1"/>
+              <ma14:wrappingTextBoxFlag xmlns:ma14="http://schemas.microsoft.com/office/mac/drawingml/2011/main" xmlns:a14="http://schemas.microsoft.com/office/drawing/2010/main" xmlns:m="http://schemas.openxmlformats.org/officeDocument/2006/math" xmlns="" val="1"/>
             </a:ext>
           </a:extLst>
         </p:spPr>
@@ -7153,7 +7153,7 @@
           <a:effectLst/>
           <a:extLst>
             <a:ext uri="{C572A759-6A51-4108-AA02-DFA0A04FC94B}">
-              <ma14:wrappingTextBoxFlag xmlns="" xmlns:m="http://schemas.openxmlformats.org/officeDocument/2006/math" xmlns:a14="http://schemas.microsoft.com/office/drawing/2010/main" xmlns:ma14="http://schemas.microsoft.com/office/mac/drawingml/2011/main" val="1"/>
+              <ma14:wrappingTextBoxFlag xmlns:ma14="http://schemas.microsoft.com/office/mac/drawingml/2011/main" xmlns:a14="http://schemas.microsoft.com/office/drawing/2010/main" xmlns:m="http://schemas.openxmlformats.org/officeDocument/2006/math" xmlns="" val="1"/>
             </a:ext>
           </a:extLst>
         </p:spPr>
@@ -7300,7 +7300,7 @@
           <a:effectLst/>
           <a:extLst>
             <a:ext uri="{C572A759-6A51-4108-AA02-DFA0A04FC94B}">
-              <ma14:wrappingTextBoxFlag xmlns="" xmlns:m="http://schemas.openxmlformats.org/officeDocument/2006/math" xmlns:a14="http://schemas.microsoft.com/office/drawing/2010/main" xmlns:ma14="http://schemas.microsoft.com/office/mac/drawingml/2011/main" val="1"/>
+              <ma14:wrappingTextBoxFlag xmlns:ma14="http://schemas.microsoft.com/office/mac/drawingml/2011/main" xmlns:a14="http://schemas.microsoft.com/office/drawing/2010/main" xmlns:m="http://schemas.openxmlformats.org/officeDocument/2006/math" xmlns="" val="1"/>
             </a:ext>
           </a:extLst>
         </p:spPr>
@@ -7394,7 +7394,7 @@
           <a:effectLst/>
           <a:extLst>
             <a:ext uri="{C572A759-6A51-4108-AA02-DFA0A04FC94B}">
-              <ma14:wrappingTextBoxFlag xmlns="" xmlns:m="http://schemas.openxmlformats.org/officeDocument/2006/math" xmlns:a14="http://schemas.microsoft.com/office/drawing/2010/main" xmlns:ma14="http://schemas.microsoft.com/office/mac/drawingml/2011/main" val="1"/>
+              <ma14:wrappingTextBoxFlag xmlns:ma14="http://schemas.microsoft.com/office/mac/drawingml/2011/main" xmlns:a14="http://schemas.microsoft.com/office/drawing/2010/main" xmlns:m="http://schemas.openxmlformats.org/officeDocument/2006/math" xmlns="" val="1"/>
             </a:ext>
           </a:extLst>
         </p:spPr>
@@ -7485,7 +7485,7 @@
           <a:effectLst/>
           <a:extLst>
             <a:ext uri="{C572A759-6A51-4108-AA02-DFA0A04FC94B}">
-              <ma14:wrappingTextBoxFlag xmlns="" xmlns:m="http://schemas.openxmlformats.org/officeDocument/2006/math" xmlns:a14="http://schemas.microsoft.com/office/drawing/2010/main" xmlns:ma14="http://schemas.microsoft.com/office/mac/drawingml/2011/main" val="1"/>
+              <ma14:wrappingTextBoxFlag xmlns:ma14="http://schemas.microsoft.com/office/mac/drawingml/2011/main" xmlns:a14="http://schemas.microsoft.com/office/drawing/2010/main" xmlns:m="http://schemas.openxmlformats.org/officeDocument/2006/math" xmlns="" val="1"/>
             </a:ext>
           </a:extLst>
         </p:spPr>
@@ -7635,7 +7635,7 @@
           <a:effectLst/>
           <a:extLst>
             <a:ext uri="{C572A759-6A51-4108-AA02-DFA0A04FC94B}">
-              <ma14:wrappingTextBoxFlag xmlns="" xmlns:m="http://schemas.openxmlformats.org/officeDocument/2006/math" xmlns:a14="http://schemas.microsoft.com/office/drawing/2010/main" xmlns:ma14="http://schemas.microsoft.com/office/mac/drawingml/2011/main" val="1"/>
+              <ma14:wrappingTextBoxFlag xmlns:ma14="http://schemas.microsoft.com/office/mac/drawingml/2011/main" xmlns:a14="http://schemas.microsoft.com/office/drawing/2010/main" xmlns:m="http://schemas.openxmlformats.org/officeDocument/2006/math" xmlns="" val="1"/>
             </a:ext>
           </a:extLst>
         </p:spPr>
@@ -7726,7 +7726,7 @@
           <a:effectLst/>
           <a:extLst>
             <a:ext uri="{C572A759-6A51-4108-AA02-DFA0A04FC94B}">
-              <ma14:wrappingTextBoxFlag xmlns="" xmlns:m="http://schemas.openxmlformats.org/officeDocument/2006/math" xmlns:a14="http://schemas.microsoft.com/office/drawing/2010/main" xmlns:ma14="http://schemas.microsoft.com/office/mac/drawingml/2011/main" val="1"/>
+              <ma14:wrappingTextBoxFlag xmlns:ma14="http://schemas.microsoft.com/office/mac/drawingml/2011/main" xmlns:a14="http://schemas.microsoft.com/office/drawing/2010/main" xmlns:m="http://schemas.openxmlformats.org/officeDocument/2006/math" xmlns="" val="1"/>
             </a:ext>
           </a:extLst>
         </p:spPr>
@@ -7876,7 +7876,7 @@
           <a:effectLst/>
           <a:extLst>
             <a:ext uri="{C572A759-6A51-4108-AA02-DFA0A04FC94B}">
-              <ma14:wrappingTextBoxFlag xmlns="" xmlns:m="http://schemas.openxmlformats.org/officeDocument/2006/math" xmlns:a14="http://schemas.microsoft.com/office/drawing/2010/main" xmlns:ma14="http://schemas.microsoft.com/office/mac/drawingml/2011/main" val="1"/>
+              <ma14:wrappingTextBoxFlag xmlns:ma14="http://schemas.microsoft.com/office/mac/drawingml/2011/main" xmlns:a14="http://schemas.microsoft.com/office/drawing/2010/main" xmlns:m="http://schemas.openxmlformats.org/officeDocument/2006/math" xmlns="" val="1"/>
             </a:ext>
           </a:extLst>
         </p:spPr>
@@ -7967,7 +7967,7 @@
           <a:effectLst/>
           <a:extLst>
             <a:ext uri="{C572A759-6A51-4108-AA02-DFA0A04FC94B}">
-              <ma14:wrappingTextBoxFlag xmlns="" xmlns:m="http://schemas.openxmlformats.org/officeDocument/2006/math" xmlns:a14="http://schemas.microsoft.com/office/drawing/2010/main" xmlns:ma14="http://schemas.microsoft.com/office/mac/drawingml/2011/main" val="1"/>
+              <ma14:wrappingTextBoxFlag xmlns:ma14="http://schemas.microsoft.com/office/mac/drawingml/2011/main" xmlns:a14="http://schemas.microsoft.com/office/drawing/2010/main" xmlns:m="http://schemas.openxmlformats.org/officeDocument/2006/math" xmlns="" val="1"/>
             </a:ext>
           </a:extLst>
         </p:spPr>
@@ -8139,7 +8139,7 @@
           <a:effectLst/>
           <a:extLst>
             <a:ext uri="{C572A759-6A51-4108-AA02-DFA0A04FC94B}">
-              <ma14:wrappingTextBoxFlag xmlns="" xmlns:m="http://schemas.openxmlformats.org/officeDocument/2006/math" xmlns:a14="http://schemas.microsoft.com/office/drawing/2010/main" xmlns:ma14="http://schemas.microsoft.com/office/mac/drawingml/2011/main" val="1"/>
+              <ma14:wrappingTextBoxFlag xmlns:ma14="http://schemas.microsoft.com/office/mac/drawingml/2011/main" xmlns:a14="http://schemas.microsoft.com/office/drawing/2010/main" xmlns:m="http://schemas.openxmlformats.org/officeDocument/2006/math" xmlns="" val="1"/>
             </a:ext>
           </a:extLst>
         </p:spPr>
@@ -8346,7 +8346,7 @@
             <a:effectLst/>
             <a:extLst>
               <a:ext uri="{C572A759-6A51-4108-AA02-DFA0A04FC94B}">
-                <ma14:wrappingTextBoxFlag xmlns="" xmlns:m="http://schemas.openxmlformats.org/officeDocument/2006/math" xmlns:a14="http://schemas.microsoft.com/office/drawing/2010/main" xmlns:ma14="http://schemas.microsoft.com/office/mac/drawingml/2011/main" val="1"/>
+                <ma14:wrappingTextBoxFlag xmlns:ma14="http://schemas.microsoft.com/office/mac/drawingml/2011/main" xmlns:a14="http://schemas.microsoft.com/office/drawing/2010/main" xmlns:m="http://schemas.openxmlformats.org/officeDocument/2006/math" xmlns="" val="1"/>
               </a:ext>
             </a:extLst>
           </p:spPr>
@@ -8398,7 +8398,7 @@
             <a:effectLst/>
             <a:extLst>
               <a:ext uri="{C572A759-6A51-4108-AA02-DFA0A04FC94B}">
-                <ma14:wrappingTextBoxFlag xmlns="" xmlns:m="http://schemas.openxmlformats.org/officeDocument/2006/math" xmlns:a14="http://schemas.microsoft.com/office/drawing/2010/main" xmlns:ma14="http://schemas.microsoft.com/office/mac/drawingml/2011/main" val="1"/>
+                <ma14:wrappingTextBoxFlag xmlns:ma14="http://schemas.microsoft.com/office/mac/drawingml/2011/main" xmlns:a14="http://schemas.microsoft.com/office/drawing/2010/main" xmlns:m="http://schemas.openxmlformats.org/officeDocument/2006/math" xmlns="" val="1"/>
               </a:ext>
             </a:extLst>
           </p:spPr>
@@ -8714,7 +8714,7 @@
             <a:effectLst/>
             <a:extLst>
               <a:ext uri="{C572A759-6A51-4108-AA02-DFA0A04FC94B}">
-                <ma14:wrappingTextBoxFlag xmlns="" xmlns:m="http://schemas.openxmlformats.org/officeDocument/2006/math" xmlns:a14="http://schemas.microsoft.com/office/drawing/2010/main" xmlns:ma14="http://schemas.microsoft.com/office/mac/drawingml/2011/main" val="1"/>
+                <ma14:wrappingTextBoxFlag xmlns:ma14="http://schemas.microsoft.com/office/mac/drawingml/2011/main" xmlns:a14="http://schemas.microsoft.com/office/drawing/2010/main" xmlns:m="http://schemas.openxmlformats.org/officeDocument/2006/math" xmlns="" val="1"/>
               </a:ext>
             </a:extLst>
           </p:spPr>
@@ -8818,7 +8818,7 @@
             <a:effectLst/>
             <a:extLst>
               <a:ext uri="{C572A759-6A51-4108-AA02-DFA0A04FC94B}">
-                <ma14:wrappingTextBoxFlag xmlns="" xmlns:m="http://schemas.openxmlformats.org/officeDocument/2006/math" xmlns:a14="http://schemas.microsoft.com/office/drawing/2010/main" xmlns:ma14="http://schemas.microsoft.com/office/mac/drawingml/2011/main" val="1"/>
+                <ma14:wrappingTextBoxFlag xmlns:ma14="http://schemas.microsoft.com/office/mac/drawingml/2011/main" xmlns:a14="http://schemas.microsoft.com/office/drawing/2010/main" xmlns:m="http://schemas.openxmlformats.org/officeDocument/2006/math" xmlns="" val="1"/>
               </a:ext>
             </a:extLst>
           </p:spPr>
@@ -8878,7 +8878,7 @@
             <a:effectLst/>
             <a:extLst>
               <a:ext uri="{C572A759-6A51-4108-AA02-DFA0A04FC94B}">
-                <ma14:wrappingTextBoxFlag xmlns="" xmlns:m="http://schemas.openxmlformats.org/officeDocument/2006/math" xmlns:a14="http://schemas.microsoft.com/office/drawing/2010/main" xmlns:ma14="http://schemas.microsoft.com/office/mac/drawingml/2011/main" val="1"/>
+                <ma14:wrappingTextBoxFlag xmlns:ma14="http://schemas.microsoft.com/office/mac/drawingml/2011/main" xmlns:a14="http://schemas.microsoft.com/office/drawing/2010/main" xmlns:m="http://schemas.openxmlformats.org/officeDocument/2006/math" xmlns="" val="1"/>
               </a:ext>
             </a:extLst>
           </p:spPr>
@@ -9018,7 +9018,7 @@
           <a:effectLst/>
           <a:extLst>
             <a:ext uri="{C572A759-6A51-4108-AA02-DFA0A04FC94B}">
-              <ma14:wrappingTextBoxFlag xmlns="" xmlns:m="http://schemas.openxmlformats.org/officeDocument/2006/math" xmlns:a14="http://schemas.microsoft.com/office/drawing/2010/main" xmlns:ma14="http://schemas.microsoft.com/office/mac/drawingml/2011/main" val="1"/>
+              <ma14:wrappingTextBoxFlag xmlns:ma14="http://schemas.microsoft.com/office/mac/drawingml/2011/main" xmlns:a14="http://schemas.microsoft.com/office/drawing/2010/main" xmlns:m="http://schemas.openxmlformats.org/officeDocument/2006/math" xmlns="" val="1"/>
             </a:ext>
           </a:extLst>
         </p:spPr>
@@ -9410,7 +9410,7 @@
           <a:effectLst/>
           <a:extLst>
             <a:ext uri="{C572A759-6A51-4108-AA02-DFA0A04FC94B}">
-              <ma14:wrappingTextBoxFlag xmlns="" xmlns:m="http://schemas.openxmlformats.org/officeDocument/2006/math" xmlns:a14="http://schemas.microsoft.com/office/drawing/2010/main" xmlns:ma14="http://schemas.microsoft.com/office/mac/drawingml/2011/main" val="1"/>
+              <ma14:wrappingTextBoxFlag xmlns:ma14="http://schemas.microsoft.com/office/mac/drawingml/2011/main" xmlns:a14="http://schemas.microsoft.com/office/drawing/2010/main" xmlns:m="http://schemas.openxmlformats.org/officeDocument/2006/math" xmlns="" val="1"/>
             </a:ext>
           </a:extLst>
         </p:spPr>
@@ -10183,7 +10183,7 @@
           </a:ln>
           <a:extLst>
             <a:ext uri="{C572A759-6A51-4108-AA02-DFA0A04FC94B}">
-              <ma14:wrappingTextBoxFlag xmlns="" xmlns:m="http://schemas.openxmlformats.org/officeDocument/2006/math" xmlns:a14="http://schemas.microsoft.com/office/drawing/2010/main" xmlns:ma14="http://schemas.microsoft.com/office/mac/drawingml/2011/main" val="1"/>
+              <ma14:wrappingTextBoxFlag xmlns:ma14="http://schemas.microsoft.com/office/mac/drawingml/2011/main" xmlns:a14="http://schemas.microsoft.com/office/drawing/2010/main" xmlns:m="http://schemas.openxmlformats.org/officeDocument/2006/math" xmlns="" val="1"/>
             </a:ext>
           </a:extLst>
         </p:spPr>
@@ -10232,7 +10232,7 @@
           </a:ln>
           <a:extLst>
             <a:ext uri="{C572A759-6A51-4108-AA02-DFA0A04FC94B}">
-              <ma14:wrappingTextBoxFlag xmlns="" xmlns:m="http://schemas.openxmlformats.org/officeDocument/2006/math" xmlns:a14="http://schemas.microsoft.com/office/drawing/2010/main" xmlns:ma14="http://schemas.microsoft.com/office/mac/drawingml/2011/main" val="1"/>
+              <ma14:wrappingTextBoxFlag xmlns:ma14="http://schemas.microsoft.com/office/mac/drawingml/2011/main" xmlns:a14="http://schemas.microsoft.com/office/drawing/2010/main" xmlns:m="http://schemas.openxmlformats.org/officeDocument/2006/math" xmlns="" val="1"/>
             </a:ext>
           </a:extLst>
         </p:spPr>
@@ -10276,7 +10276,7 @@
           </a:ln>
           <a:extLst>
             <a:ext uri="{C572A759-6A51-4108-AA02-DFA0A04FC94B}">
-              <ma14:wrappingTextBoxFlag xmlns="" xmlns:m="http://schemas.openxmlformats.org/officeDocument/2006/math" xmlns:a14="http://schemas.microsoft.com/office/drawing/2010/main" xmlns:ma14="http://schemas.microsoft.com/office/mac/drawingml/2011/main" val="1"/>
+              <ma14:wrappingTextBoxFlag xmlns:ma14="http://schemas.microsoft.com/office/mac/drawingml/2011/main" xmlns:a14="http://schemas.microsoft.com/office/drawing/2010/main" xmlns:m="http://schemas.openxmlformats.org/officeDocument/2006/math" xmlns="" val="1"/>
             </a:ext>
           </a:extLst>
         </p:spPr>
@@ -10321,7 +10321,7 @@
           </a:ln>
           <a:extLst>
             <a:ext uri="{C572A759-6A51-4108-AA02-DFA0A04FC94B}">
-              <ma14:wrappingTextBoxFlag xmlns="" xmlns:m="http://schemas.openxmlformats.org/officeDocument/2006/math" xmlns:a14="http://schemas.microsoft.com/office/drawing/2010/main" xmlns:ma14="http://schemas.microsoft.com/office/mac/drawingml/2011/main" val="1"/>
+              <ma14:wrappingTextBoxFlag xmlns:ma14="http://schemas.microsoft.com/office/mac/drawingml/2011/main" xmlns:a14="http://schemas.microsoft.com/office/drawing/2010/main" xmlns:m="http://schemas.openxmlformats.org/officeDocument/2006/math" xmlns="" val="1"/>
             </a:ext>
           </a:extLst>
         </p:spPr>
@@ -10370,7 +10370,7 @@
           </a:ln>
           <a:extLst>
             <a:ext uri="{C572A759-6A51-4108-AA02-DFA0A04FC94B}">
-              <ma14:wrappingTextBoxFlag xmlns="" xmlns:m="http://schemas.openxmlformats.org/officeDocument/2006/math" xmlns:a14="http://schemas.microsoft.com/office/drawing/2010/main" xmlns:ma14="http://schemas.microsoft.com/office/mac/drawingml/2011/main" val="1"/>
+              <ma14:wrappingTextBoxFlag xmlns:ma14="http://schemas.microsoft.com/office/mac/drawingml/2011/main" xmlns:a14="http://schemas.microsoft.com/office/drawing/2010/main" xmlns:m="http://schemas.openxmlformats.org/officeDocument/2006/math" xmlns="" val="1"/>
             </a:ext>
           </a:extLst>
         </p:spPr>
@@ -10415,7 +10415,7 @@
           </a:ln>
           <a:extLst>
             <a:ext uri="{C572A759-6A51-4108-AA02-DFA0A04FC94B}">
-              <ma14:wrappingTextBoxFlag xmlns="" xmlns:m="http://schemas.openxmlformats.org/officeDocument/2006/math" xmlns:a14="http://schemas.microsoft.com/office/drawing/2010/main" xmlns:ma14="http://schemas.microsoft.com/office/mac/drawingml/2011/main" val="1"/>
+              <ma14:wrappingTextBoxFlag xmlns:ma14="http://schemas.microsoft.com/office/mac/drawingml/2011/main" xmlns:a14="http://schemas.microsoft.com/office/drawing/2010/main" xmlns:m="http://schemas.openxmlformats.org/officeDocument/2006/math" xmlns="" val="1"/>
             </a:ext>
           </a:extLst>
         </p:spPr>
@@ -11031,7 +11031,7 @@
             <a:effectLst/>
             <a:extLst>
               <a:ext uri="{C572A759-6A51-4108-AA02-DFA0A04FC94B}">
-                <ma14:wrappingTextBoxFlag xmlns="" xmlns:m="http://schemas.openxmlformats.org/officeDocument/2006/math" xmlns:a14="http://schemas.microsoft.com/office/drawing/2010/main" xmlns:ma14="http://schemas.microsoft.com/office/mac/drawingml/2011/main" val="1"/>
+                <ma14:wrappingTextBoxFlag xmlns:ma14="http://schemas.microsoft.com/office/mac/drawingml/2011/main" xmlns:a14="http://schemas.microsoft.com/office/drawing/2010/main" xmlns:m="http://schemas.openxmlformats.org/officeDocument/2006/math" xmlns="" val="1"/>
               </a:ext>
             </a:extLst>
           </p:spPr>
@@ -11078,7 +11078,7 @@
             <a:effectLst/>
             <a:extLst>
               <a:ext uri="{C572A759-6A51-4108-AA02-DFA0A04FC94B}">
-                <ma14:wrappingTextBoxFlag xmlns="" xmlns:m="http://schemas.openxmlformats.org/officeDocument/2006/math" xmlns:a14="http://schemas.microsoft.com/office/drawing/2010/main" xmlns:ma14="http://schemas.microsoft.com/office/mac/drawingml/2011/main" val="1"/>
+                <ma14:wrappingTextBoxFlag xmlns:ma14="http://schemas.microsoft.com/office/mac/drawingml/2011/main" xmlns:a14="http://schemas.microsoft.com/office/drawing/2010/main" xmlns:m="http://schemas.openxmlformats.org/officeDocument/2006/math" xmlns="" val="1"/>
               </a:ext>
             </a:extLst>
           </p:spPr>
@@ -11174,7 +11174,7 @@
           <a:effectLst/>
           <a:extLst>
             <a:ext uri="{C572A759-6A51-4108-AA02-DFA0A04FC94B}">
-              <ma14:wrappingTextBoxFlag xmlns="" xmlns:m="http://schemas.openxmlformats.org/officeDocument/2006/math" xmlns:a14="http://schemas.microsoft.com/office/drawing/2010/main" xmlns:ma14="http://schemas.microsoft.com/office/mac/drawingml/2011/main" val="1"/>
+              <ma14:wrappingTextBoxFlag xmlns:ma14="http://schemas.microsoft.com/office/mac/drawingml/2011/main" xmlns:a14="http://schemas.microsoft.com/office/drawing/2010/main" xmlns:m="http://schemas.openxmlformats.org/officeDocument/2006/math" xmlns="" val="1"/>
             </a:ext>
           </a:extLst>
         </p:spPr>
@@ -11260,7 +11260,7 @@
             <a:effectLst/>
             <a:extLst>
               <a:ext uri="{C572A759-6A51-4108-AA02-DFA0A04FC94B}">
-                <ma14:wrappingTextBoxFlag xmlns="" xmlns:m="http://schemas.openxmlformats.org/officeDocument/2006/math" xmlns:a14="http://schemas.microsoft.com/office/drawing/2010/main" xmlns:ma14="http://schemas.microsoft.com/office/mac/drawingml/2011/main" val="1"/>
+                <ma14:wrappingTextBoxFlag xmlns:ma14="http://schemas.microsoft.com/office/mac/drawingml/2011/main" xmlns:a14="http://schemas.microsoft.com/office/drawing/2010/main" xmlns:m="http://schemas.openxmlformats.org/officeDocument/2006/math" xmlns="" val="1"/>
               </a:ext>
             </a:extLst>
           </p:spPr>
@@ -11313,7 +11313,7 @@
             <a:effectLst/>
             <a:extLst>
               <a:ext uri="{C572A759-6A51-4108-AA02-DFA0A04FC94B}">
-                <ma14:wrappingTextBoxFlag xmlns="" xmlns:m="http://schemas.openxmlformats.org/officeDocument/2006/math" xmlns:a14="http://schemas.microsoft.com/office/drawing/2010/main" xmlns:ma14="http://schemas.microsoft.com/office/mac/drawingml/2011/main" val="1"/>
+                <ma14:wrappingTextBoxFlag xmlns:ma14="http://schemas.microsoft.com/office/mac/drawingml/2011/main" xmlns:a14="http://schemas.microsoft.com/office/drawing/2010/main" xmlns:m="http://schemas.openxmlformats.org/officeDocument/2006/math" xmlns="" val="1"/>
               </a:ext>
             </a:extLst>
           </p:spPr>
@@ -11453,7 +11453,7 @@
             <a:effectLst/>
             <a:extLst>
               <a:ext uri="{C572A759-6A51-4108-AA02-DFA0A04FC94B}">
-                <ma14:wrappingTextBoxFlag xmlns="" xmlns:m="http://schemas.openxmlformats.org/officeDocument/2006/math" xmlns:a14="http://schemas.microsoft.com/office/drawing/2010/main" xmlns:ma14="http://schemas.microsoft.com/office/mac/drawingml/2011/main" val="1"/>
+                <ma14:wrappingTextBoxFlag xmlns:ma14="http://schemas.microsoft.com/office/mac/drawingml/2011/main" xmlns:a14="http://schemas.microsoft.com/office/drawing/2010/main" xmlns:m="http://schemas.openxmlformats.org/officeDocument/2006/math" xmlns="" val="1"/>
               </a:ext>
             </a:extLst>
           </p:spPr>
@@ -11506,7 +11506,7 @@
             <a:effectLst/>
             <a:extLst>
               <a:ext uri="{C572A759-6A51-4108-AA02-DFA0A04FC94B}">
-                <ma14:wrappingTextBoxFlag xmlns="" xmlns:m="http://schemas.openxmlformats.org/officeDocument/2006/math" xmlns:a14="http://schemas.microsoft.com/office/drawing/2010/main" xmlns:ma14="http://schemas.microsoft.com/office/mac/drawingml/2011/main" val="1"/>
+                <ma14:wrappingTextBoxFlag xmlns:ma14="http://schemas.microsoft.com/office/mac/drawingml/2011/main" xmlns:a14="http://schemas.microsoft.com/office/drawing/2010/main" xmlns:m="http://schemas.openxmlformats.org/officeDocument/2006/math" xmlns="" val="1"/>
               </a:ext>
             </a:extLst>
           </p:spPr>
@@ -11800,7 +11800,7 @@
             <a:effectLst/>
             <a:extLst>
               <a:ext uri="{C572A759-6A51-4108-AA02-DFA0A04FC94B}">
-                <ma14:wrappingTextBoxFlag xmlns="" xmlns:m="http://schemas.openxmlformats.org/officeDocument/2006/math" xmlns:a14="http://schemas.microsoft.com/office/drawing/2010/main" xmlns:ma14="http://schemas.microsoft.com/office/mac/drawingml/2011/main" val="1"/>
+                <ma14:wrappingTextBoxFlag xmlns:ma14="http://schemas.microsoft.com/office/mac/drawingml/2011/main" xmlns:a14="http://schemas.microsoft.com/office/drawing/2010/main" xmlns:m="http://schemas.openxmlformats.org/officeDocument/2006/math" xmlns="" val="1"/>
               </a:ext>
             </a:extLst>
           </p:spPr>
@@ -11853,7 +11853,7 @@
             <a:effectLst/>
             <a:extLst>
               <a:ext uri="{C572A759-6A51-4108-AA02-DFA0A04FC94B}">
-                <ma14:wrappingTextBoxFlag xmlns="" xmlns:m="http://schemas.openxmlformats.org/officeDocument/2006/math" xmlns:a14="http://schemas.microsoft.com/office/drawing/2010/main" xmlns:ma14="http://schemas.microsoft.com/office/mac/drawingml/2011/main" val="1"/>
+                <ma14:wrappingTextBoxFlag xmlns:ma14="http://schemas.microsoft.com/office/mac/drawingml/2011/main" xmlns:a14="http://schemas.microsoft.com/office/drawing/2010/main" xmlns:m="http://schemas.openxmlformats.org/officeDocument/2006/math" xmlns="" val="1"/>
               </a:ext>
             </a:extLst>
           </p:spPr>
@@ -12471,7 +12471,7 @@
           </a:ln>
           <a:extLst>
             <a:ext uri="{C572A759-6A51-4108-AA02-DFA0A04FC94B}">
-              <ma14:wrappingTextBoxFlag xmlns="" xmlns:m="http://schemas.openxmlformats.org/officeDocument/2006/math" xmlns:a14="http://schemas.microsoft.com/office/drawing/2010/main" xmlns:ma14="http://schemas.microsoft.com/office/mac/drawingml/2011/main" val="1"/>
+              <ma14:wrappingTextBoxFlag xmlns:ma14="http://schemas.microsoft.com/office/mac/drawingml/2011/main" xmlns:a14="http://schemas.microsoft.com/office/drawing/2010/main" xmlns:m="http://schemas.openxmlformats.org/officeDocument/2006/math" xmlns="" val="1"/>
             </a:ext>
           </a:extLst>
         </p:spPr>
@@ -12519,7 +12519,7 @@
           </a:ln>
           <a:extLst>
             <a:ext uri="{C572A759-6A51-4108-AA02-DFA0A04FC94B}">
-              <ma14:wrappingTextBoxFlag xmlns="" xmlns:m="http://schemas.openxmlformats.org/officeDocument/2006/math" xmlns:a14="http://schemas.microsoft.com/office/drawing/2010/main" xmlns:ma14="http://schemas.microsoft.com/office/mac/drawingml/2011/main" val="1"/>
+              <ma14:wrappingTextBoxFlag xmlns:ma14="http://schemas.microsoft.com/office/mac/drawingml/2011/main" xmlns:a14="http://schemas.microsoft.com/office/drawing/2010/main" xmlns:m="http://schemas.openxmlformats.org/officeDocument/2006/math" xmlns="" val="1"/>
             </a:ext>
           </a:extLst>
         </p:spPr>
@@ -12572,7 +12572,7 @@
           </a:ln>
           <a:extLst>
             <a:ext uri="{C572A759-6A51-4108-AA02-DFA0A04FC94B}">
-              <ma14:wrappingTextBoxFlag xmlns="" xmlns:m="http://schemas.openxmlformats.org/officeDocument/2006/math" xmlns:a14="http://schemas.microsoft.com/office/drawing/2010/main" xmlns:ma14="http://schemas.microsoft.com/office/mac/drawingml/2011/main" val="1"/>
+              <ma14:wrappingTextBoxFlag xmlns:ma14="http://schemas.microsoft.com/office/mac/drawingml/2011/main" xmlns:a14="http://schemas.microsoft.com/office/drawing/2010/main" xmlns:m="http://schemas.openxmlformats.org/officeDocument/2006/math" xmlns="" val="1"/>
             </a:ext>
           </a:extLst>
         </p:spPr>
@@ -12620,7 +12620,7 @@
           </a:ln>
           <a:extLst>
             <a:ext uri="{C572A759-6A51-4108-AA02-DFA0A04FC94B}">
-              <ma14:wrappingTextBoxFlag xmlns="" xmlns:m="http://schemas.openxmlformats.org/officeDocument/2006/math" xmlns:a14="http://schemas.microsoft.com/office/drawing/2010/main" xmlns:ma14="http://schemas.microsoft.com/office/mac/drawingml/2011/main" val="1"/>
+              <ma14:wrappingTextBoxFlag xmlns:ma14="http://schemas.microsoft.com/office/mac/drawingml/2011/main" xmlns:a14="http://schemas.microsoft.com/office/drawing/2010/main" xmlns:m="http://schemas.openxmlformats.org/officeDocument/2006/math" xmlns="" val="1"/>
             </a:ext>
           </a:extLst>
         </p:spPr>
@@ -12690,7 +12690,7 @@
             <a:effectLst/>
             <a:extLst>
               <a:ext uri="{C572A759-6A51-4108-AA02-DFA0A04FC94B}">
-                <ma14:wrappingTextBoxFlag xmlns="" xmlns:m="http://schemas.openxmlformats.org/officeDocument/2006/math" xmlns:a14="http://schemas.microsoft.com/office/drawing/2010/main" xmlns:ma14="http://schemas.microsoft.com/office/mac/drawingml/2011/main" val="1"/>
+                <ma14:wrappingTextBoxFlag xmlns:ma14="http://schemas.microsoft.com/office/mac/drawingml/2011/main" xmlns:a14="http://schemas.microsoft.com/office/drawing/2010/main" xmlns:m="http://schemas.openxmlformats.org/officeDocument/2006/math" xmlns="" val="1"/>
               </a:ext>
             </a:extLst>
           </p:spPr>
@@ -12742,7 +12742,7 @@
             <a:effectLst/>
             <a:extLst>
               <a:ext uri="{C572A759-6A51-4108-AA02-DFA0A04FC94B}">
-                <ma14:wrappingTextBoxFlag xmlns="" xmlns:m="http://schemas.openxmlformats.org/officeDocument/2006/math" xmlns:a14="http://schemas.microsoft.com/office/drawing/2010/main" xmlns:ma14="http://schemas.microsoft.com/office/mac/drawingml/2011/main" val="1"/>
+                <ma14:wrappingTextBoxFlag xmlns:ma14="http://schemas.microsoft.com/office/mac/drawingml/2011/main" xmlns:a14="http://schemas.microsoft.com/office/drawing/2010/main" xmlns:m="http://schemas.openxmlformats.org/officeDocument/2006/math" xmlns="" val="1"/>
               </a:ext>
             </a:extLst>
           </p:spPr>
@@ -12791,7 +12791,7 @@
           </a:ln>
           <a:extLst>
             <a:ext uri="{C572A759-6A51-4108-AA02-DFA0A04FC94B}">
-              <ma14:wrappingTextBoxFlag xmlns="" xmlns:m="http://schemas.openxmlformats.org/officeDocument/2006/math" xmlns:a14="http://schemas.microsoft.com/office/drawing/2010/main" xmlns:ma14="http://schemas.microsoft.com/office/mac/drawingml/2011/main" val="1"/>
+              <ma14:wrappingTextBoxFlag xmlns:ma14="http://schemas.microsoft.com/office/mac/drawingml/2011/main" xmlns:a14="http://schemas.microsoft.com/office/drawing/2010/main" xmlns:m="http://schemas.openxmlformats.org/officeDocument/2006/math" xmlns="" val="1"/>
             </a:ext>
           </a:extLst>
         </p:spPr>
@@ -12839,7 +12839,7 @@
           </a:ln>
           <a:extLst>
             <a:ext uri="{C572A759-6A51-4108-AA02-DFA0A04FC94B}">
-              <ma14:wrappingTextBoxFlag xmlns="" xmlns:m="http://schemas.openxmlformats.org/officeDocument/2006/math" xmlns:a14="http://schemas.microsoft.com/office/drawing/2010/main" xmlns:ma14="http://schemas.microsoft.com/office/mac/drawingml/2011/main" val="1"/>
+              <ma14:wrappingTextBoxFlag xmlns:ma14="http://schemas.microsoft.com/office/mac/drawingml/2011/main" xmlns:a14="http://schemas.microsoft.com/office/drawing/2010/main" xmlns:m="http://schemas.openxmlformats.org/officeDocument/2006/math" xmlns="" val="1"/>
             </a:ext>
           </a:extLst>
         </p:spPr>
@@ -13193,7 +13193,7 @@
           </a:ln>
           <a:extLst>
             <a:ext uri="{C572A759-6A51-4108-AA02-DFA0A04FC94B}">
-              <ma14:wrappingTextBoxFlag xmlns="" xmlns:m="http://schemas.openxmlformats.org/officeDocument/2006/math" xmlns:a14="http://schemas.microsoft.com/office/drawing/2010/main" xmlns:ma14="http://schemas.microsoft.com/office/mac/drawingml/2011/main" val="1"/>
+              <ma14:wrappingTextBoxFlag xmlns:ma14="http://schemas.microsoft.com/office/mac/drawingml/2011/main" xmlns:a14="http://schemas.microsoft.com/office/drawing/2010/main" xmlns:m="http://schemas.openxmlformats.org/officeDocument/2006/math" xmlns="" val="1"/>
             </a:ext>
           </a:extLst>
         </p:spPr>
@@ -13260,7 +13260,7 @@
           </a:ln>
           <a:extLst>
             <a:ext uri="{C572A759-6A51-4108-AA02-DFA0A04FC94B}">
-              <ma14:wrappingTextBoxFlag xmlns="" xmlns:m="http://schemas.openxmlformats.org/officeDocument/2006/math" xmlns:a14="http://schemas.microsoft.com/office/drawing/2010/main" xmlns:ma14="http://schemas.microsoft.com/office/mac/drawingml/2011/main" val="1"/>
+              <ma14:wrappingTextBoxFlag xmlns:ma14="http://schemas.microsoft.com/office/mac/drawingml/2011/main" xmlns:a14="http://schemas.microsoft.com/office/drawing/2010/main" xmlns:m="http://schemas.openxmlformats.org/officeDocument/2006/math" xmlns="" val="1"/>
             </a:ext>
           </a:extLst>
         </p:spPr>
@@ -13939,7 +13939,7 @@
             <a:effectLst/>
             <a:extLst>
               <a:ext uri="{C572A759-6A51-4108-AA02-DFA0A04FC94B}">
-                <ma14:wrappingTextBoxFlag xmlns="" xmlns:m="http://schemas.openxmlformats.org/officeDocument/2006/math" xmlns:a14="http://schemas.microsoft.com/office/drawing/2010/main" xmlns:ma14="http://schemas.microsoft.com/office/mac/drawingml/2011/main" val="1"/>
+                <ma14:wrappingTextBoxFlag xmlns:ma14="http://schemas.microsoft.com/office/mac/drawingml/2011/main" xmlns:a14="http://schemas.microsoft.com/office/drawing/2010/main" xmlns:m="http://schemas.openxmlformats.org/officeDocument/2006/math" xmlns="" val="1"/>
               </a:ext>
             </a:extLst>
           </p:spPr>
@@ -13991,7 +13991,7 @@
             <a:effectLst/>
             <a:extLst>
               <a:ext uri="{C572A759-6A51-4108-AA02-DFA0A04FC94B}">
-                <ma14:wrappingTextBoxFlag xmlns="" xmlns:m="http://schemas.openxmlformats.org/officeDocument/2006/math" xmlns:a14="http://schemas.microsoft.com/office/drawing/2010/main" xmlns:ma14="http://schemas.microsoft.com/office/mac/drawingml/2011/main" val="1"/>
+                <ma14:wrappingTextBoxFlag xmlns:ma14="http://schemas.microsoft.com/office/mac/drawingml/2011/main" xmlns:a14="http://schemas.microsoft.com/office/drawing/2010/main" xmlns:m="http://schemas.openxmlformats.org/officeDocument/2006/math" xmlns="" val="1"/>
               </a:ext>
             </a:extLst>
           </p:spPr>
@@ -14254,7 +14254,7 @@
           <a:effectLst/>
           <a:extLst>
             <a:ext uri="{C572A759-6A51-4108-AA02-DFA0A04FC94B}">
-              <ma14:wrappingTextBoxFlag xmlns="" xmlns:m="http://schemas.openxmlformats.org/officeDocument/2006/math" xmlns:a14="http://schemas.microsoft.com/office/drawing/2010/main" xmlns:ma14="http://schemas.microsoft.com/office/mac/drawingml/2011/main" val="1"/>
+              <ma14:wrappingTextBoxFlag xmlns:ma14="http://schemas.microsoft.com/office/mac/drawingml/2011/main" xmlns:a14="http://schemas.microsoft.com/office/drawing/2010/main" xmlns:m="http://schemas.openxmlformats.org/officeDocument/2006/math" xmlns="" val="1"/>
             </a:ext>
           </a:extLst>
         </p:spPr>
@@ -14500,7 +14500,7 @@
             <a:effectLst/>
             <a:extLst>
               <a:ext uri="{C572A759-6A51-4108-AA02-DFA0A04FC94B}">
-                <ma14:wrappingTextBoxFlag xmlns="" xmlns:m="http://schemas.openxmlformats.org/officeDocument/2006/math" xmlns:a14="http://schemas.microsoft.com/office/drawing/2010/main" xmlns:ma14="http://schemas.microsoft.com/office/mac/drawingml/2011/main" val="1"/>
+                <ma14:wrappingTextBoxFlag xmlns:ma14="http://schemas.microsoft.com/office/mac/drawingml/2011/main" xmlns:a14="http://schemas.microsoft.com/office/drawing/2010/main" xmlns:m="http://schemas.openxmlformats.org/officeDocument/2006/math" xmlns="" val="1"/>
               </a:ext>
             </a:extLst>
           </p:spPr>
@@ -14548,7 +14548,7 @@
             <a:effectLst/>
             <a:extLst>
               <a:ext uri="{C572A759-6A51-4108-AA02-DFA0A04FC94B}">
-                <ma14:wrappingTextBoxFlag xmlns="" xmlns:m="http://schemas.openxmlformats.org/officeDocument/2006/math" xmlns:a14="http://schemas.microsoft.com/office/drawing/2010/main" xmlns:ma14="http://schemas.microsoft.com/office/mac/drawingml/2011/main" val="1"/>
+                <ma14:wrappingTextBoxFlag xmlns:ma14="http://schemas.microsoft.com/office/mac/drawingml/2011/main" xmlns:a14="http://schemas.microsoft.com/office/drawing/2010/main" xmlns:m="http://schemas.openxmlformats.org/officeDocument/2006/math" xmlns="" val="1"/>
               </a:ext>
             </a:extLst>
           </p:spPr>
@@ -14952,7 +14952,7 @@
           <a:effectLst/>
           <a:extLst>
             <a:ext uri="{C572A759-6A51-4108-AA02-DFA0A04FC94B}">
-              <ma14:wrappingTextBoxFlag xmlns="" xmlns:m="http://schemas.openxmlformats.org/officeDocument/2006/math" xmlns:a14="http://schemas.microsoft.com/office/drawing/2010/main" xmlns:ma14="http://schemas.microsoft.com/office/mac/drawingml/2011/main" val="1"/>
+              <ma14:wrappingTextBoxFlag xmlns:ma14="http://schemas.microsoft.com/office/mac/drawingml/2011/main" xmlns:a14="http://schemas.microsoft.com/office/drawing/2010/main" xmlns:m="http://schemas.openxmlformats.org/officeDocument/2006/math" xmlns="" val="1"/>
             </a:ext>
           </a:extLst>
         </p:spPr>
@@ -15198,7 +15198,7 @@
             <a:effectLst/>
             <a:extLst>
               <a:ext uri="{C572A759-6A51-4108-AA02-DFA0A04FC94B}">
-                <ma14:wrappingTextBoxFlag xmlns="" xmlns:m="http://schemas.openxmlformats.org/officeDocument/2006/math" xmlns:a14="http://schemas.microsoft.com/office/drawing/2010/main" xmlns:ma14="http://schemas.microsoft.com/office/mac/drawingml/2011/main" val="1"/>
+                <ma14:wrappingTextBoxFlag xmlns:ma14="http://schemas.microsoft.com/office/mac/drawingml/2011/main" xmlns:a14="http://schemas.microsoft.com/office/drawing/2010/main" xmlns:m="http://schemas.openxmlformats.org/officeDocument/2006/math" xmlns="" val="1"/>
               </a:ext>
             </a:extLst>
           </p:spPr>
@@ -15246,7 +15246,7 @@
             <a:effectLst/>
             <a:extLst>
               <a:ext uri="{C572A759-6A51-4108-AA02-DFA0A04FC94B}">
-                <ma14:wrappingTextBoxFlag xmlns="" xmlns:m="http://schemas.openxmlformats.org/officeDocument/2006/math" xmlns:a14="http://schemas.microsoft.com/office/drawing/2010/main" xmlns:ma14="http://schemas.microsoft.com/office/mac/drawingml/2011/main" val="1"/>
+                <ma14:wrappingTextBoxFlag xmlns:ma14="http://schemas.microsoft.com/office/mac/drawingml/2011/main" xmlns:a14="http://schemas.microsoft.com/office/drawing/2010/main" xmlns:m="http://schemas.openxmlformats.org/officeDocument/2006/math" xmlns="" val="1"/>
               </a:ext>
             </a:extLst>
           </p:spPr>
@@ -15505,7 +15505,7 @@
           <a:effectLst/>
           <a:extLst>
             <a:ext uri="{C572A759-6A51-4108-AA02-DFA0A04FC94B}">
-              <ma14:wrappingTextBoxFlag xmlns="" xmlns:m="http://schemas.openxmlformats.org/officeDocument/2006/math" xmlns:a14="http://schemas.microsoft.com/office/drawing/2010/main" xmlns:ma14="http://schemas.microsoft.com/office/mac/drawingml/2011/main" val="1"/>
+              <ma14:wrappingTextBoxFlag xmlns:ma14="http://schemas.microsoft.com/office/mac/drawingml/2011/main" xmlns:a14="http://schemas.microsoft.com/office/drawing/2010/main" xmlns:m="http://schemas.openxmlformats.org/officeDocument/2006/math" xmlns="" val="1"/>
             </a:ext>
           </a:extLst>
         </p:spPr>
@@ -15926,7 +15926,7 @@
             <a:effectLst/>
             <a:extLst>
               <a:ext uri="{C572A759-6A51-4108-AA02-DFA0A04FC94B}">
-                <ma14:wrappingTextBoxFlag xmlns="" xmlns:m="http://schemas.openxmlformats.org/officeDocument/2006/math" xmlns:a14="http://schemas.microsoft.com/office/drawing/2010/main" xmlns:ma14="http://schemas.microsoft.com/office/mac/drawingml/2011/main" val="1"/>
+                <ma14:wrappingTextBoxFlag xmlns:ma14="http://schemas.microsoft.com/office/mac/drawingml/2011/main" xmlns:a14="http://schemas.microsoft.com/office/drawing/2010/main" xmlns:m="http://schemas.openxmlformats.org/officeDocument/2006/math" xmlns="" val="1"/>
               </a:ext>
             </a:extLst>
           </p:spPr>
@@ -16010,7 +16010,7 @@
             <a:effectLst/>
             <a:extLst>
               <a:ext uri="{C572A759-6A51-4108-AA02-DFA0A04FC94B}">
-                <ma14:wrappingTextBoxFlag xmlns="" xmlns:m="http://schemas.openxmlformats.org/officeDocument/2006/math" xmlns:a14="http://schemas.microsoft.com/office/drawing/2010/main" xmlns:ma14="http://schemas.microsoft.com/office/mac/drawingml/2011/main" val="1"/>
+                <ma14:wrappingTextBoxFlag xmlns:ma14="http://schemas.microsoft.com/office/mac/drawingml/2011/main" xmlns:a14="http://schemas.microsoft.com/office/drawing/2010/main" xmlns:m="http://schemas.openxmlformats.org/officeDocument/2006/math" xmlns="" val="1"/>
               </a:ext>
             </a:extLst>
           </p:spPr>
@@ -16248,7 +16248,7 @@
             <a:effectLst/>
             <a:extLst>
               <a:ext uri="{C572A759-6A51-4108-AA02-DFA0A04FC94B}">
-                <ma14:wrappingTextBoxFlag xmlns="" xmlns:m="http://schemas.openxmlformats.org/officeDocument/2006/math" xmlns:a14="http://schemas.microsoft.com/office/drawing/2010/main" xmlns:ma14="http://schemas.microsoft.com/office/mac/drawingml/2011/main" val="1"/>
+                <ma14:wrappingTextBoxFlag xmlns:ma14="http://schemas.microsoft.com/office/mac/drawingml/2011/main" xmlns:a14="http://schemas.microsoft.com/office/drawing/2010/main" xmlns:m="http://schemas.openxmlformats.org/officeDocument/2006/math" xmlns="" val="1"/>
               </a:ext>
             </a:extLst>
           </p:spPr>
@@ -16308,7 +16308,7 @@
             <a:effectLst/>
             <a:extLst>
               <a:ext uri="{C572A759-6A51-4108-AA02-DFA0A04FC94B}">
-                <ma14:wrappingTextBoxFlag xmlns="" xmlns:m="http://schemas.openxmlformats.org/officeDocument/2006/math" xmlns:a14="http://schemas.microsoft.com/office/drawing/2010/main" xmlns:ma14="http://schemas.microsoft.com/office/mac/drawingml/2011/main" val="1"/>
+                <ma14:wrappingTextBoxFlag xmlns:ma14="http://schemas.microsoft.com/office/mac/drawingml/2011/main" xmlns:a14="http://schemas.microsoft.com/office/drawing/2010/main" xmlns:m="http://schemas.openxmlformats.org/officeDocument/2006/math" xmlns="" val="1"/>
               </a:ext>
             </a:extLst>
           </p:spPr>
@@ -16482,7 +16482,7 @@
             <a:effectLst/>
             <a:extLst>
               <a:ext uri="{C572A759-6A51-4108-AA02-DFA0A04FC94B}">
-                <ma14:wrappingTextBoxFlag xmlns="" xmlns:m="http://schemas.openxmlformats.org/officeDocument/2006/math" xmlns:a14="http://schemas.microsoft.com/office/drawing/2010/main" xmlns:ma14="http://schemas.microsoft.com/office/mac/drawingml/2011/main" val="1"/>
+                <ma14:wrappingTextBoxFlag xmlns:ma14="http://schemas.microsoft.com/office/mac/drawingml/2011/main" xmlns:a14="http://schemas.microsoft.com/office/drawing/2010/main" xmlns:m="http://schemas.openxmlformats.org/officeDocument/2006/math" xmlns="" val="1"/>
               </a:ext>
             </a:extLst>
           </p:spPr>
@@ -16534,7 +16534,7 @@
             <a:effectLst/>
             <a:extLst>
               <a:ext uri="{C572A759-6A51-4108-AA02-DFA0A04FC94B}">
-                <ma14:wrappingTextBoxFlag xmlns="" xmlns:m="http://schemas.openxmlformats.org/officeDocument/2006/math" xmlns:a14="http://schemas.microsoft.com/office/drawing/2010/main" xmlns:ma14="http://schemas.microsoft.com/office/mac/drawingml/2011/main" val="1"/>
+                <ma14:wrappingTextBoxFlag xmlns:ma14="http://schemas.microsoft.com/office/mac/drawingml/2011/main" xmlns:a14="http://schemas.microsoft.com/office/drawing/2010/main" xmlns:m="http://schemas.openxmlformats.org/officeDocument/2006/math" xmlns="" val="1"/>
               </a:ext>
             </a:extLst>
           </p:spPr>
@@ -16986,7 +16986,7 @@
             <a:effectLst/>
             <a:extLst>
               <a:ext uri="{C572A759-6A51-4108-AA02-DFA0A04FC94B}">
-                <ma14:wrappingTextBoxFlag xmlns="" xmlns:m="http://schemas.openxmlformats.org/officeDocument/2006/math" xmlns:a14="http://schemas.microsoft.com/office/drawing/2010/main" xmlns:ma14="http://schemas.microsoft.com/office/mac/drawingml/2011/main" val="1"/>
+                <ma14:wrappingTextBoxFlag xmlns:ma14="http://schemas.microsoft.com/office/mac/drawingml/2011/main" xmlns:a14="http://schemas.microsoft.com/office/drawing/2010/main" xmlns:m="http://schemas.openxmlformats.org/officeDocument/2006/math" xmlns="" val="1"/>
               </a:ext>
             </a:extLst>
           </p:spPr>
@@ -17038,7 +17038,7 @@
             <a:effectLst/>
             <a:extLst>
               <a:ext uri="{C572A759-6A51-4108-AA02-DFA0A04FC94B}">
-                <ma14:wrappingTextBoxFlag xmlns="" xmlns:m="http://schemas.openxmlformats.org/officeDocument/2006/math" xmlns:a14="http://schemas.microsoft.com/office/drawing/2010/main" xmlns:ma14="http://schemas.microsoft.com/office/mac/drawingml/2011/main" val="1"/>
+                <ma14:wrappingTextBoxFlag xmlns:ma14="http://schemas.microsoft.com/office/mac/drawingml/2011/main" xmlns:a14="http://schemas.microsoft.com/office/drawing/2010/main" xmlns:m="http://schemas.openxmlformats.org/officeDocument/2006/math" xmlns="" val="1"/>
               </a:ext>
             </a:extLst>
           </p:spPr>
@@ -23280,7 +23280,7 @@
           </a:ln>
           <a:extLst>
             <a:ext uri="{C572A759-6A51-4108-AA02-DFA0A04FC94B}">
-              <ma14:wrappingTextBoxFlag xmlns="" xmlns:m="http://schemas.openxmlformats.org/officeDocument/2006/math" xmlns:a14="http://schemas.microsoft.com/office/drawing/2010/main" xmlns:ma14="http://schemas.microsoft.com/office/mac/drawingml/2011/main" val="1"/>
+              <ma14:wrappingTextBoxFlag xmlns:ma14="http://schemas.microsoft.com/office/mac/drawingml/2011/main" xmlns:a14="http://schemas.microsoft.com/office/drawing/2010/main" xmlns:m="http://schemas.openxmlformats.org/officeDocument/2006/math" xmlns="" val="1"/>
             </a:ext>
           </a:extLst>
         </p:spPr>
@@ -23329,7 +23329,7 @@
           </a:ln>
           <a:extLst>
             <a:ext uri="{C572A759-6A51-4108-AA02-DFA0A04FC94B}">
-              <ma14:wrappingTextBoxFlag xmlns="" xmlns:m="http://schemas.openxmlformats.org/officeDocument/2006/math" xmlns:a14="http://schemas.microsoft.com/office/drawing/2010/main" xmlns:ma14="http://schemas.microsoft.com/office/mac/drawingml/2011/main" val="1"/>
+              <ma14:wrappingTextBoxFlag xmlns:ma14="http://schemas.microsoft.com/office/mac/drawingml/2011/main" xmlns:a14="http://schemas.microsoft.com/office/drawing/2010/main" xmlns:m="http://schemas.openxmlformats.org/officeDocument/2006/math" xmlns="" val="1"/>
             </a:ext>
           </a:extLst>
         </p:spPr>
@@ -23404,7 +23404,7 @@
           </a:ln>
           <a:extLst>
             <a:ext uri="{C572A759-6A51-4108-AA02-DFA0A04FC94B}">
-              <ma14:wrappingTextBoxFlag xmlns="" xmlns:m="http://schemas.openxmlformats.org/officeDocument/2006/math" xmlns:a14="http://schemas.microsoft.com/office/drawing/2010/main" xmlns:ma14="http://schemas.microsoft.com/office/mac/drawingml/2011/main" val="1"/>
+              <ma14:wrappingTextBoxFlag xmlns:ma14="http://schemas.microsoft.com/office/mac/drawingml/2011/main" xmlns:a14="http://schemas.microsoft.com/office/drawing/2010/main" xmlns:m="http://schemas.openxmlformats.org/officeDocument/2006/math" xmlns="" val="1"/>
             </a:ext>
           </a:extLst>
         </p:spPr>
@@ -23453,7 +23453,7 @@
           </a:ln>
           <a:extLst>
             <a:ext uri="{C572A759-6A51-4108-AA02-DFA0A04FC94B}">
-              <ma14:wrappingTextBoxFlag xmlns="" xmlns:m="http://schemas.openxmlformats.org/officeDocument/2006/math" xmlns:a14="http://schemas.microsoft.com/office/drawing/2010/main" xmlns:ma14="http://schemas.microsoft.com/office/mac/drawingml/2011/main" val="1"/>
+              <ma14:wrappingTextBoxFlag xmlns:ma14="http://schemas.microsoft.com/office/mac/drawingml/2011/main" xmlns:a14="http://schemas.microsoft.com/office/drawing/2010/main" xmlns:m="http://schemas.openxmlformats.org/officeDocument/2006/math" xmlns="" val="1"/>
             </a:ext>
           </a:extLst>
         </p:spPr>
@@ -23502,7 +23502,7 @@
           </a:ln>
           <a:extLst>
             <a:ext uri="{C572A759-6A51-4108-AA02-DFA0A04FC94B}">
-              <ma14:wrappingTextBoxFlag xmlns="" xmlns:m="http://schemas.openxmlformats.org/officeDocument/2006/math" xmlns:a14="http://schemas.microsoft.com/office/drawing/2010/main" xmlns:ma14="http://schemas.microsoft.com/office/mac/drawingml/2011/main" val="1"/>
+              <ma14:wrappingTextBoxFlag xmlns:ma14="http://schemas.microsoft.com/office/mac/drawingml/2011/main" xmlns:a14="http://schemas.microsoft.com/office/drawing/2010/main" xmlns:m="http://schemas.openxmlformats.org/officeDocument/2006/math" xmlns="" val="1"/>
             </a:ext>
           </a:extLst>
         </p:spPr>
@@ -24036,8 +24036,8 @@
         </p:nvSpPr>
         <p:spPr>
           <a:xfrm>
-            <a:off x="13020464" y="5702258"/>
-            <a:ext cx="10944629" cy="1527791"/>
+            <a:off x="13020464" y="5633377"/>
+            <a:ext cx="10944629" cy="1517338"/>
           </a:xfrm>
           <a:prstGeom prst="rect">
             <a:avLst/>
@@ -24047,7 +24047,7 @@
           </a:ln>
           <a:extLst>
             <a:ext uri="{C572A759-6A51-4108-AA02-DFA0A04FC94B}">
-              <ma14:wrappingTextBoxFlag xmlns="" xmlns:m="http://schemas.openxmlformats.org/officeDocument/2006/math" xmlns:a14="http://schemas.microsoft.com/office/drawing/2010/main" xmlns:ma14="http://schemas.microsoft.com/office/mac/drawingml/2011/main" val="1"/>
+              <ma14:wrappingTextBoxFlag xmlns:ma14="http://schemas.microsoft.com/office/mac/drawingml/2011/main" xmlns:a14="http://schemas.microsoft.com/office/drawing/2010/main" xmlns:m="http://schemas.openxmlformats.org/officeDocument/2006/math" xmlns="" val="1"/>
             </a:ext>
           </a:extLst>
         </p:spPr>
@@ -24070,30 +24070,30 @@
           <a:p>
             <a:r>
               <a:rPr lang="en-US" altLang="zh-CN" sz="4000" dirty="0"/>
-              <a:t>- </a:t>
+              <a:t>-</a:t>
             </a:r>
             <a:r>
               <a:rPr lang="zh-CN" altLang="en-US" sz="4000" dirty="0"/>
-              <a:t>一个优秀的编译器 </a:t>
+              <a:t>基本功很重要</a:t>
+            </a:r>
+            <a:endParaRPr lang="en-US" altLang="zh-CN" sz="4000" dirty="0"/>
+          </a:p>
+          <a:p>
+            <a:r>
+              <a:rPr lang="en-US" altLang="zh-CN" sz="4000" dirty="0">
+                <a:latin typeface="新蒂下午茶专业版" panose="03000600000000000000" pitchFamily="66" charset="-122"/>
+                <a:ea typeface="新蒂下午茶专业版" panose="03000600000000000000" pitchFamily="66" charset="-122"/>
+                <a:sym typeface="SentyTEA 新蒂下午茶体" panose="03000600000000000000" pitchFamily="66" charset="-122"/>
+              </a:rPr>
+              <a:t>-</a:t>
             </a:r>
             <a:r>
-              <a:rPr lang="en-US" altLang="zh-CN" sz="4000" dirty="0"/>
-              <a:t>pipeline </a:t>
-            </a:r>
-            <a:r>
-              <a:rPr lang="zh-CN" altLang="en-US" sz="4000" dirty="0"/>
-              <a:t>需要良好的顶层设计</a:t>
-            </a:r>
-            <a:br>
-              <a:rPr lang="zh-CN" altLang="en-US" sz="4000" dirty="0"/>
-            </a:br>
-            <a:r>
-              <a:rPr lang="en-US" altLang="zh-CN" sz="4000" dirty="0"/>
-              <a:t>- </a:t>
-            </a:r>
-            <a:r>
-              <a:rPr lang="zh-CN" altLang="en-US" sz="4000" dirty="0"/>
-              <a:t>敏捷的开发需要团队成员良好的协作</a:t>
+              <a:rPr lang="zh-CN" altLang="en-US" sz="4000" dirty="0">
+                <a:latin typeface="新蒂下午茶专业版" panose="03000600000000000000" pitchFamily="66" charset="-122"/>
+                <a:ea typeface="新蒂下午茶专业版" panose="03000600000000000000" pitchFamily="66" charset="-122"/>
+                <a:sym typeface="SentyTEA 新蒂下午茶体" panose="03000600000000000000" pitchFamily="66" charset="-122"/>
+              </a:rPr>
+              <a:t>我写这段代码是为什么？</a:t>
             </a:r>
             <a:endParaRPr sz="4000" dirty="0">
               <a:latin typeface="新蒂下午茶专业版" panose="03000600000000000000" pitchFamily="66" charset="-122"/>
@@ -24117,7 +24117,7 @@
         </p:nvSpPr>
         <p:spPr>
           <a:xfrm>
-            <a:off x="13123528" y="8437455"/>
+            <a:off x="13015385" y="8464637"/>
             <a:ext cx="10944629" cy="1517338"/>
           </a:xfrm>
           <a:prstGeom prst="rect">
@@ -24128,7 +24128,7 @@
           </a:ln>
           <a:extLst>
             <a:ext uri="{C572A759-6A51-4108-AA02-DFA0A04FC94B}">
-              <ma14:wrappingTextBoxFlag xmlns="" xmlns:m="http://schemas.openxmlformats.org/officeDocument/2006/math" xmlns:a14="http://schemas.microsoft.com/office/drawing/2010/main" xmlns:ma14="http://schemas.microsoft.com/office/mac/drawingml/2011/main" val="1"/>
+              <ma14:wrappingTextBoxFlag xmlns:ma14="http://schemas.microsoft.com/office/mac/drawingml/2011/main" xmlns:a14="http://schemas.microsoft.com/office/drawing/2010/main" xmlns:m="http://schemas.openxmlformats.org/officeDocument/2006/math" xmlns="" val="1"/>
             </a:ext>
           </a:extLst>
         </p:spPr>
@@ -24198,7 +24198,7 @@
         </p:nvSpPr>
         <p:spPr>
           <a:xfrm>
-            <a:off x="13184151" y="10665146"/>
+            <a:off x="13015384" y="10665146"/>
             <a:ext cx="10944629" cy="2266454"/>
           </a:xfrm>
           <a:prstGeom prst="rect">
@@ -24209,7 +24209,7 @@
           </a:ln>
           <a:extLst>
             <a:ext uri="{C572A759-6A51-4108-AA02-DFA0A04FC94B}">
-              <ma14:wrappingTextBoxFlag xmlns="" xmlns:m="http://schemas.openxmlformats.org/officeDocument/2006/math" xmlns:a14="http://schemas.microsoft.com/office/drawing/2010/main" xmlns:ma14="http://schemas.microsoft.com/office/mac/drawingml/2011/main" val="1"/>
+              <ma14:wrappingTextBoxFlag xmlns:ma14="http://schemas.microsoft.com/office/mac/drawingml/2011/main" xmlns:a14="http://schemas.microsoft.com/office/drawing/2010/main" xmlns:m="http://schemas.openxmlformats.org/officeDocument/2006/math" xmlns="" val="1"/>
             </a:ext>
           </a:extLst>
         </p:spPr>
@@ -24931,7 +24931,7 @@
             <a:effectLst/>
             <a:extLst>
               <a:ext uri="{C572A759-6A51-4108-AA02-DFA0A04FC94B}">
-                <ma14:wrappingTextBoxFlag xmlns="" xmlns:m="http://schemas.openxmlformats.org/officeDocument/2006/math" xmlns:a14="http://schemas.microsoft.com/office/drawing/2010/main" xmlns:ma14="http://schemas.microsoft.com/office/mac/drawingml/2011/main" val="1"/>
+                <ma14:wrappingTextBoxFlag xmlns:ma14="http://schemas.microsoft.com/office/mac/drawingml/2011/main" xmlns:a14="http://schemas.microsoft.com/office/drawing/2010/main" xmlns:m="http://schemas.openxmlformats.org/officeDocument/2006/math" xmlns="" val="1"/>
               </a:ext>
             </a:extLst>
           </p:spPr>
@@ -24983,7 +24983,7 @@
             <a:effectLst/>
             <a:extLst>
               <a:ext uri="{C572A759-6A51-4108-AA02-DFA0A04FC94B}">
-                <ma14:wrappingTextBoxFlag xmlns="" xmlns:m="http://schemas.openxmlformats.org/officeDocument/2006/math" xmlns:a14="http://schemas.microsoft.com/office/drawing/2010/main" xmlns:ma14="http://schemas.microsoft.com/office/mac/drawingml/2011/main" val="1"/>
+                <ma14:wrappingTextBoxFlag xmlns:ma14="http://schemas.microsoft.com/office/mac/drawingml/2011/main" xmlns:a14="http://schemas.microsoft.com/office/drawing/2010/main" xmlns:m="http://schemas.openxmlformats.org/officeDocument/2006/math" xmlns="" val="1"/>
               </a:ext>
             </a:extLst>
           </p:spPr>
@@ -25150,7 +25150,7 @@
             <a:effectLst/>
             <a:extLst>
               <a:ext uri="{C572A759-6A51-4108-AA02-DFA0A04FC94B}">
-                <ma14:wrappingTextBoxFlag xmlns="" xmlns:m="http://schemas.openxmlformats.org/officeDocument/2006/math" xmlns:a14="http://schemas.microsoft.com/office/drawing/2010/main" xmlns:ma14="http://schemas.microsoft.com/office/mac/drawingml/2011/main" val="1"/>
+                <ma14:wrappingTextBoxFlag xmlns:ma14="http://schemas.microsoft.com/office/mac/drawingml/2011/main" xmlns:a14="http://schemas.microsoft.com/office/drawing/2010/main" xmlns:m="http://schemas.openxmlformats.org/officeDocument/2006/math" xmlns="" val="1"/>
               </a:ext>
             </a:extLst>
           </p:spPr>
@@ -25210,7 +25210,7 @@
             <a:effectLst/>
             <a:extLst>
               <a:ext uri="{C572A759-6A51-4108-AA02-DFA0A04FC94B}">
-                <ma14:wrappingTextBoxFlag xmlns="" xmlns:m="http://schemas.openxmlformats.org/officeDocument/2006/math" xmlns:a14="http://schemas.microsoft.com/office/drawing/2010/main" xmlns:ma14="http://schemas.microsoft.com/office/mac/drawingml/2011/main" val="1"/>
+                <ma14:wrappingTextBoxFlag xmlns:ma14="http://schemas.microsoft.com/office/mac/drawingml/2011/main" xmlns:a14="http://schemas.microsoft.com/office/drawing/2010/main" xmlns:m="http://schemas.openxmlformats.org/officeDocument/2006/math" xmlns="" val="1"/>
               </a:ext>
             </a:extLst>
           </p:spPr>
@@ -25439,7 +25439,7 @@
             <a:effectLst/>
             <a:extLst>
               <a:ext uri="{C572A759-6A51-4108-AA02-DFA0A04FC94B}">
-                <ma14:wrappingTextBoxFlag xmlns="" xmlns:m="http://schemas.openxmlformats.org/officeDocument/2006/math" xmlns:a14="http://schemas.microsoft.com/office/drawing/2010/main" xmlns:ma14="http://schemas.microsoft.com/office/mac/drawingml/2011/main" val="1"/>
+                <ma14:wrappingTextBoxFlag xmlns:ma14="http://schemas.microsoft.com/office/mac/drawingml/2011/main" xmlns:a14="http://schemas.microsoft.com/office/drawing/2010/main" xmlns:m="http://schemas.openxmlformats.org/officeDocument/2006/math" xmlns="" val="1"/>
               </a:ext>
             </a:extLst>
           </p:spPr>
@@ -25491,7 +25491,7 @@
             <a:effectLst/>
             <a:extLst>
               <a:ext uri="{C572A759-6A51-4108-AA02-DFA0A04FC94B}">
-                <ma14:wrappingTextBoxFlag xmlns="" xmlns:m="http://schemas.openxmlformats.org/officeDocument/2006/math" xmlns:a14="http://schemas.microsoft.com/office/drawing/2010/main" xmlns:ma14="http://schemas.microsoft.com/office/mac/drawingml/2011/main" val="1"/>
+                <ma14:wrappingTextBoxFlag xmlns:ma14="http://schemas.microsoft.com/office/mac/drawingml/2011/main" xmlns:a14="http://schemas.microsoft.com/office/drawing/2010/main" xmlns:m="http://schemas.openxmlformats.org/officeDocument/2006/math" xmlns="" val="1"/>
               </a:ext>
             </a:extLst>
           </p:spPr>
@@ -25946,7 +25946,7 @@
             <a:effectLst/>
             <a:extLst>
               <a:ext uri="{C572A759-6A51-4108-AA02-DFA0A04FC94B}">
-                <ma14:wrappingTextBoxFlag xmlns="" xmlns:m="http://schemas.openxmlformats.org/officeDocument/2006/math" xmlns:a14="http://schemas.microsoft.com/office/drawing/2010/main" xmlns:ma14="http://schemas.microsoft.com/office/mac/drawingml/2011/main" val="1"/>
+                <ma14:wrappingTextBoxFlag xmlns:ma14="http://schemas.microsoft.com/office/mac/drawingml/2011/main" xmlns:a14="http://schemas.microsoft.com/office/drawing/2010/main" xmlns:m="http://schemas.openxmlformats.org/officeDocument/2006/math" xmlns="" val="1"/>
               </a:ext>
             </a:extLst>
           </p:spPr>
@@ -26014,7 +26014,7 @@
             <a:effectLst/>
             <a:extLst>
               <a:ext uri="{C572A759-6A51-4108-AA02-DFA0A04FC94B}">
-                <ma14:wrappingTextBoxFlag xmlns="" xmlns:m="http://schemas.openxmlformats.org/officeDocument/2006/math" xmlns:a14="http://schemas.microsoft.com/office/drawing/2010/main" xmlns:ma14="http://schemas.microsoft.com/office/mac/drawingml/2011/main" val="1"/>
+                <ma14:wrappingTextBoxFlag xmlns:ma14="http://schemas.microsoft.com/office/mac/drawingml/2011/main" xmlns:a14="http://schemas.microsoft.com/office/drawing/2010/main" xmlns:m="http://schemas.openxmlformats.org/officeDocument/2006/math" xmlns="" val="1"/>
               </a:ext>
             </a:extLst>
           </p:spPr>
@@ -26464,7 +26464,7 @@
             <a:effectLst/>
             <a:extLst>
               <a:ext uri="{C572A759-6A51-4108-AA02-DFA0A04FC94B}">
-                <ma14:wrappingTextBoxFlag xmlns="" xmlns:m="http://schemas.openxmlformats.org/officeDocument/2006/math" xmlns:a14="http://schemas.microsoft.com/office/drawing/2010/main" xmlns:ma14="http://schemas.microsoft.com/office/mac/drawingml/2011/main" val="1"/>
+                <ma14:wrappingTextBoxFlag xmlns:ma14="http://schemas.microsoft.com/office/mac/drawingml/2011/main" xmlns:a14="http://schemas.microsoft.com/office/drawing/2010/main" xmlns:m="http://schemas.openxmlformats.org/officeDocument/2006/math" xmlns="" val="1"/>
               </a:ext>
             </a:extLst>
           </p:spPr>
@@ -26516,7 +26516,7 @@
             <a:effectLst/>
             <a:extLst>
               <a:ext uri="{C572A759-6A51-4108-AA02-DFA0A04FC94B}">
-                <ma14:wrappingTextBoxFlag xmlns="" xmlns:m="http://schemas.openxmlformats.org/officeDocument/2006/math" xmlns:a14="http://schemas.microsoft.com/office/drawing/2010/main" xmlns:ma14="http://schemas.microsoft.com/office/mac/drawingml/2011/main" val="1"/>
+                <ma14:wrappingTextBoxFlag xmlns:ma14="http://schemas.microsoft.com/office/mac/drawingml/2011/main" xmlns:a14="http://schemas.microsoft.com/office/drawing/2010/main" xmlns:m="http://schemas.openxmlformats.org/officeDocument/2006/math" xmlns="" val="1"/>
               </a:ext>
             </a:extLst>
           </p:spPr>
@@ -26888,7 +26888,7 @@
             <a:effectLst/>
             <a:extLst>
               <a:ext uri="{C572A759-6A51-4108-AA02-DFA0A04FC94B}">
-                <ma14:wrappingTextBoxFlag xmlns="" xmlns:m="http://schemas.openxmlformats.org/officeDocument/2006/math" xmlns:a14="http://schemas.microsoft.com/office/drawing/2010/main" xmlns:ma14="http://schemas.microsoft.com/office/mac/drawingml/2011/main" val="1"/>
+                <ma14:wrappingTextBoxFlag xmlns:ma14="http://schemas.microsoft.com/office/mac/drawingml/2011/main" xmlns:a14="http://schemas.microsoft.com/office/drawing/2010/main" xmlns:m="http://schemas.openxmlformats.org/officeDocument/2006/math" xmlns="" val="1"/>
               </a:ext>
             </a:extLst>
           </p:spPr>
@@ -26935,7 +26935,7 @@
             <a:effectLst/>
             <a:extLst>
               <a:ext uri="{C572A759-6A51-4108-AA02-DFA0A04FC94B}">
-                <ma14:wrappingTextBoxFlag xmlns="" xmlns:m="http://schemas.openxmlformats.org/officeDocument/2006/math" xmlns:a14="http://schemas.microsoft.com/office/drawing/2010/main" xmlns:ma14="http://schemas.microsoft.com/office/mac/drawingml/2011/main" val="1"/>
+                <ma14:wrappingTextBoxFlag xmlns:ma14="http://schemas.microsoft.com/office/mac/drawingml/2011/main" xmlns:a14="http://schemas.microsoft.com/office/drawing/2010/main" xmlns:m="http://schemas.openxmlformats.org/officeDocument/2006/math" xmlns="" val="1"/>
               </a:ext>
             </a:extLst>
           </p:spPr>
@@ -27618,7 +27618,7 @@
           <a:effectLst/>
           <a:extLst>
             <a:ext uri="{C572A759-6A51-4108-AA02-DFA0A04FC94B}">
-              <ma14:wrappingTextBoxFlag xmlns="" xmlns:m="http://schemas.openxmlformats.org/officeDocument/2006/math" xmlns:a14="http://schemas.microsoft.com/office/drawing/2010/main" xmlns:ma14="http://schemas.microsoft.com/office/mac/drawingml/2011/main" val="1"/>
+              <ma14:wrappingTextBoxFlag xmlns:ma14="http://schemas.microsoft.com/office/mac/drawingml/2011/main" xmlns:a14="http://schemas.microsoft.com/office/drawing/2010/main" xmlns:m="http://schemas.openxmlformats.org/officeDocument/2006/math" xmlns="" val="1"/>
             </a:ext>
           </a:extLst>
         </p:spPr>
@@ -27688,7 +27688,7 @@
             <a:effectLst/>
             <a:extLst>
               <a:ext uri="{C572A759-6A51-4108-AA02-DFA0A04FC94B}">
-                <ma14:wrappingTextBoxFlag xmlns="" xmlns:m="http://schemas.openxmlformats.org/officeDocument/2006/math" xmlns:a14="http://schemas.microsoft.com/office/drawing/2010/main" xmlns:ma14="http://schemas.microsoft.com/office/mac/drawingml/2011/main" val="1"/>
+                <ma14:wrappingTextBoxFlag xmlns:ma14="http://schemas.microsoft.com/office/mac/drawingml/2011/main" xmlns:a14="http://schemas.microsoft.com/office/drawing/2010/main" xmlns:m="http://schemas.openxmlformats.org/officeDocument/2006/math" xmlns="" val="1"/>
               </a:ext>
             </a:extLst>
           </p:spPr>
@@ -27748,7 +27748,7 @@
             <a:effectLst/>
             <a:extLst>
               <a:ext uri="{C572A759-6A51-4108-AA02-DFA0A04FC94B}">
-                <ma14:wrappingTextBoxFlag xmlns="" xmlns:m="http://schemas.openxmlformats.org/officeDocument/2006/math" xmlns:a14="http://schemas.microsoft.com/office/drawing/2010/main" xmlns:ma14="http://schemas.microsoft.com/office/mac/drawingml/2011/main" val="1"/>
+                <ma14:wrappingTextBoxFlag xmlns:ma14="http://schemas.microsoft.com/office/mac/drawingml/2011/main" xmlns:a14="http://schemas.microsoft.com/office/drawing/2010/main" xmlns:m="http://schemas.openxmlformats.org/officeDocument/2006/math" xmlns="" val="1"/>
               </a:ext>
             </a:extLst>
           </p:spPr>
@@ -27822,7 +27822,7 @@
             <a:effectLst/>
             <a:extLst>
               <a:ext uri="{C572A759-6A51-4108-AA02-DFA0A04FC94B}">
-                <ma14:wrappingTextBoxFlag xmlns="" xmlns:m="http://schemas.openxmlformats.org/officeDocument/2006/math" xmlns:a14="http://schemas.microsoft.com/office/drawing/2010/main" xmlns:ma14="http://schemas.microsoft.com/office/mac/drawingml/2011/main" val="1"/>
+                <ma14:wrappingTextBoxFlag xmlns:ma14="http://schemas.microsoft.com/office/mac/drawingml/2011/main" xmlns:a14="http://schemas.microsoft.com/office/drawing/2010/main" xmlns:m="http://schemas.openxmlformats.org/officeDocument/2006/math" xmlns="" val="1"/>
               </a:ext>
             </a:extLst>
           </p:spPr>
@@ -27882,7 +27882,7 @@
             <a:effectLst/>
             <a:extLst>
               <a:ext uri="{C572A759-6A51-4108-AA02-DFA0A04FC94B}">
-                <ma14:wrappingTextBoxFlag xmlns="" xmlns:m="http://schemas.openxmlformats.org/officeDocument/2006/math" xmlns:a14="http://schemas.microsoft.com/office/drawing/2010/main" xmlns:ma14="http://schemas.microsoft.com/office/mac/drawingml/2011/main" val="1"/>
+                <ma14:wrappingTextBoxFlag xmlns:ma14="http://schemas.microsoft.com/office/mac/drawingml/2011/main" xmlns:a14="http://schemas.microsoft.com/office/drawing/2010/main" xmlns:m="http://schemas.openxmlformats.org/officeDocument/2006/math" xmlns="" val="1"/>
               </a:ext>
             </a:extLst>
           </p:spPr>
@@ -27971,7 +27971,7 @@
             <a:effectLst/>
             <a:extLst>
               <a:ext uri="{C572A759-6A51-4108-AA02-DFA0A04FC94B}">
-                <ma14:wrappingTextBoxFlag xmlns="" xmlns:m="http://schemas.openxmlformats.org/officeDocument/2006/math" xmlns:a14="http://schemas.microsoft.com/office/drawing/2010/main" xmlns:ma14="http://schemas.microsoft.com/office/mac/drawingml/2011/main" val="1"/>
+                <ma14:wrappingTextBoxFlag xmlns:ma14="http://schemas.microsoft.com/office/mac/drawingml/2011/main" xmlns:a14="http://schemas.microsoft.com/office/drawing/2010/main" xmlns:m="http://schemas.openxmlformats.org/officeDocument/2006/math" xmlns="" val="1"/>
               </a:ext>
             </a:extLst>
           </p:spPr>
@@ -28026,7 +28026,7 @@
             <a:effectLst/>
             <a:extLst>
               <a:ext uri="{C572A759-6A51-4108-AA02-DFA0A04FC94B}">
-                <ma14:wrappingTextBoxFlag xmlns="" xmlns:m="http://schemas.openxmlformats.org/officeDocument/2006/math" xmlns:a14="http://schemas.microsoft.com/office/drawing/2010/main" xmlns:ma14="http://schemas.microsoft.com/office/mac/drawingml/2011/main" val="1"/>
+                <ma14:wrappingTextBoxFlag xmlns:ma14="http://schemas.microsoft.com/office/mac/drawingml/2011/main" xmlns:a14="http://schemas.microsoft.com/office/drawing/2010/main" xmlns:m="http://schemas.openxmlformats.org/officeDocument/2006/math" xmlns="" val="1"/>
               </a:ext>
             </a:extLst>
           </p:spPr>
@@ -28130,7 +28130,7 @@
             <a:effectLst/>
             <a:extLst>
               <a:ext uri="{C572A759-6A51-4108-AA02-DFA0A04FC94B}">
-                <ma14:wrappingTextBoxFlag xmlns="" xmlns:m="http://schemas.openxmlformats.org/officeDocument/2006/math" xmlns:a14="http://schemas.microsoft.com/office/drawing/2010/main" xmlns:ma14="http://schemas.microsoft.com/office/mac/drawingml/2011/main" val="1"/>
+                <ma14:wrappingTextBoxFlag xmlns:ma14="http://schemas.microsoft.com/office/mac/drawingml/2011/main" xmlns:a14="http://schemas.microsoft.com/office/drawing/2010/main" xmlns:m="http://schemas.openxmlformats.org/officeDocument/2006/math" xmlns="" val="1"/>
               </a:ext>
             </a:extLst>
           </p:spPr>
@@ -28253,7 +28253,7 @@
             <a:effectLst/>
             <a:extLst>
               <a:ext uri="{C572A759-6A51-4108-AA02-DFA0A04FC94B}">
-                <ma14:wrappingTextBoxFlag xmlns="" xmlns:m="http://schemas.openxmlformats.org/officeDocument/2006/math" xmlns:a14="http://schemas.microsoft.com/office/drawing/2010/main" xmlns:ma14="http://schemas.microsoft.com/office/mac/drawingml/2011/main" val="1"/>
+                <ma14:wrappingTextBoxFlag xmlns:ma14="http://schemas.microsoft.com/office/mac/drawingml/2011/main" xmlns:a14="http://schemas.microsoft.com/office/drawing/2010/main" xmlns:m="http://schemas.openxmlformats.org/officeDocument/2006/math" xmlns="" val="1"/>
               </a:ext>
             </a:extLst>
           </p:spPr>
@@ -28314,7 +28314,7 @@
             <a:effectLst/>
             <a:extLst>
               <a:ext uri="{C572A759-6A51-4108-AA02-DFA0A04FC94B}">
-                <ma14:wrappingTextBoxFlag xmlns="" xmlns:m="http://schemas.openxmlformats.org/officeDocument/2006/math" xmlns:a14="http://schemas.microsoft.com/office/drawing/2010/main" xmlns:ma14="http://schemas.microsoft.com/office/mac/drawingml/2011/main" val="1"/>
+                <ma14:wrappingTextBoxFlag xmlns:ma14="http://schemas.microsoft.com/office/mac/drawingml/2011/main" xmlns:a14="http://schemas.microsoft.com/office/drawing/2010/main" xmlns:m="http://schemas.openxmlformats.org/officeDocument/2006/math" xmlns="" val="1"/>
               </a:ext>
             </a:extLst>
           </p:spPr>
@@ -28440,7 +28440,7 @@
             <a:effectLst/>
             <a:extLst>
               <a:ext uri="{C572A759-6A51-4108-AA02-DFA0A04FC94B}">
-                <ma14:wrappingTextBoxFlag xmlns="" xmlns:m="http://schemas.openxmlformats.org/officeDocument/2006/math" xmlns:a14="http://schemas.microsoft.com/office/drawing/2010/main" xmlns:ma14="http://schemas.microsoft.com/office/mac/drawingml/2011/main" val="1"/>
+                <ma14:wrappingTextBoxFlag xmlns:ma14="http://schemas.microsoft.com/office/mac/drawingml/2011/main" xmlns:a14="http://schemas.microsoft.com/office/drawing/2010/main" xmlns:m="http://schemas.openxmlformats.org/officeDocument/2006/math" xmlns="" val="1"/>
               </a:ext>
             </a:extLst>
           </p:spPr>
@@ -29144,7 +29144,7 @@
           <a:effectLst/>
           <a:extLst>
             <a:ext uri="{C572A759-6A51-4108-AA02-DFA0A04FC94B}">
-              <ma14:wrappingTextBoxFlag xmlns="" xmlns:m="http://schemas.openxmlformats.org/officeDocument/2006/math" xmlns:a14="http://schemas.microsoft.com/office/drawing/2010/main" xmlns:ma14="http://schemas.microsoft.com/office/mac/drawingml/2011/main" val="1"/>
+              <ma14:wrappingTextBoxFlag xmlns:ma14="http://schemas.microsoft.com/office/mac/drawingml/2011/main" xmlns:a14="http://schemas.microsoft.com/office/drawing/2010/main" xmlns:m="http://schemas.openxmlformats.org/officeDocument/2006/math" xmlns="" val="1"/>
             </a:ext>
           </a:extLst>
         </p:spPr>
@@ -29226,7 +29226,7 @@
             <a:effectLst/>
             <a:extLst>
               <a:ext uri="{C572A759-6A51-4108-AA02-DFA0A04FC94B}">
-                <ma14:wrappingTextBoxFlag xmlns="" xmlns:m="http://schemas.openxmlformats.org/officeDocument/2006/math" xmlns:a14="http://schemas.microsoft.com/office/drawing/2010/main" xmlns:ma14="http://schemas.microsoft.com/office/mac/drawingml/2011/main" val="1"/>
+                <ma14:wrappingTextBoxFlag xmlns:ma14="http://schemas.microsoft.com/office/mac/drawingml/2011/main" xmlns:a14="http://schemas.microsoft.com/office/drawing/2010/main" xmlns:m="http://schemas.openxmlformats.org/officeDocument/2006/math" xmlns="" val="1"/>
               </a:ext>
             </a:extLst>
           </p:spPr>
@@ -29279,7 +29279,7 @@
             <a:effectLst/>
             <a:extLst>
               <a:ext uri="{C572A759-6A51-4108-AA02-DFA0A04FC94B}">
-                <ma14:wrappingTextBoxFlag xmlns="" xmlns:m="http://schemas.openxmlformats.org/officeDocument/2006/math" xmlns:a14="http://schemas.microsoft.com/office/drawing/2010/main" xmlns:ma14="http://schemas.microsoft.com/office/mac/drawingml/2011/main" val="1"/>
+                <ma14:wrappingTextBoxFlag xmlns:ma14="http://schemas.microsoft.com/office/mac/drawingml/2011/main" xmlns:a14="http://schemas.microsoft.com/office/drawing/2010/main" xmlns:m="http://schemas.openxmlformats.org/officeDocument/2006/math" xmlns="" val="1"/>
               </a:ext>
             </a:extLst>
           </p:spPr>
@@ -29793,7 +29793,7 @@
             <a:effectLst/>
             <a:extLst>
               <a:ext uri="{C572A759-6A51-4108-AA02-DFA0A04FC94B}">
-                <ma14:wrappingTextBoxFlag xmlns="" xmlns:m="http://schemas.openxmlformats.org/officeDocument/2006/math" xmlns:a14="http://schemas.microsoft.com/office/drawing/2010/main" xmlns:ma14="http://schemas.microsoft.com/office/mac/drawingml/2011/main" val="1"/>
+                <ma14:wrappingTextBoxFlag xmlns:ma14="http://schemas.microsoft.com/office/mac/drawingml/2011/main" xmlns:a14="http://schemas.microsoft.com/office/drawing/2010/main" xmlns:m="http://schemas.openxmlformats.org/officeDocument/2006/math" xmlns="" val="1"/>
               </a:ext>
             </a:extLst>
           </p:spPr>
@@ -29840,7 +29840,7 @@
             <a:effectLst/>
             <a:extLst>
               <a:ext uri="{C572A759-6A51-4108-AA02-DFA0A04FC94B}">
-                <ma14:wrappingTextBoxFlag xmlns="" xmlns:m="http://schemas.openxmlformats.org/officeDocument/2006/math" xmlns:a14="http://schemas.microsoft.com/office/drawing/2010/main" xmlns:ma14="http://schemas.microsoft.com/office/mac/drawingml/2011/main" val="1"/>
+                <ma14:wrappingTextBoxFlag xmlns:ma14="http://schemas.microsoft.com/office/mac/drawingml/2011/main" xmlns:a14="http://schemas.microsoft.com/office/drawing/2010/main" xmlns:m="http://schemas.openxmlformats.org/officeDocument/2006/math" xmlns="" val="1"/>
               </a:ext>
             </a:extLst>
           </p:spPr>
@@ -30237,7 +30237,7 @@
             <a:effectLst/>
             <a:extLst>
               <a:ext uri="{C572A759-6A51-4108-AA02-DFA0A04FC94B}">
-                <ma14:wrappingTextBoxFlag xmlns="" xmlns:m="http://schemas.openxmlformats.org/officeDocument/2006/math" xmlns:a14="http://schemas.microsoft.com/office/drawing/2010/main" xmlns:ma14="http://schemas.microsoft.com/office/mac/drawingml/2011/main" val="1"/>
+                <ma14:wrappingTextBoxFlag xmlns:ma14="http://schemas.microsoft.com/office/mac/drawingml/2011/main" xmlns:a14="http://schemas.microsoft.com/office/drawing/2010/main" xmlns:m="http://schemas.openxmlformats.org/officeDocument/2006/math" xmlns="" val="1"/>
               </a:ext>
             </a:extLst>
           </p:spPr>
@@ -30288,7 +30288,7 @@
             <a:effectLst/>
             <a:extLst>
               <a:ext uri="{C572A759-6A51-4108-AA02-DFA0A04FC94B}">
-                <ma14:wrappingTextBoxFlag xmlns="" xmlns:m="http://schemas.openxmlformats.org/officeDocument/2006/math" xmlns:a14="http://schemas.microsoft.com/office/drawing/2010/main" xmlns:ma14="http://schemas.microsoft.com/office/mac/drawingml/2011/main" val="1"/>
+                <ma14:wrappingTextBoxFlag xmlns:ma14="http://schemas.microsoft.com/office/mac/drawingml/2011/main" xmlns:a14="http://schemas.microsoft.com/office/drawing/2010/main" xmlns:m="http://schemas.openxmlformats.org/officeDocument/2006/math" xmlns="" val="1"/>
               </a:ext>
             </a:extLst>
           </p:spPr>
@@ -30343,7 +30343,7 @@
             <a:effectLst/>
             <a:extLst>
               <a:ext uri="{C572A759-6A51-4108-AA02-DFA0A04FC94B}">
-                <ma14:wrappingTextBoxFlag xmlns="" xmlns:m="http://schemas.openxmlformats.org/officeDocument/2006/math" xmlns:a14="http://schemas.microsoft.com/office/drawing/2010/main" xmlns:ma14="http://schemas.microsoft.com/office/mac/drawingml/2011/main" val="1"/>
+                <ma14:wrappingTextBoxFlag xmlns:ma14="http://schemas.microsoft.com/office/mac/drawingml/2011/main" xmlns:a14="http://schemas.microsoft.com/office/drawing/2010/main" xmlns:m="http://schemas.openxmlformats.org/officeDocument/2006/math" xmlns="" val="1"/>
               </a:ext>
             </a:extLst>
           </p:spPr>
@@ -30457,7 +30457,7 @@
             <a:effectLst/>
             <a:extLst>
               <a:ext uri="{C572A759-6A51-4108-AA02-DFA0A04FC94B}">
-                <ma14:wrappingTextBoxFlag xmlns="" xmlns:m="http://schemas.openxmlformats.org/officeDocument/2006/math" xmlns:a14="http://schemas.microsoft.com/office/drawing/2010/main" xmlns:ma14="http://schemas.microsoft.com/office/mac/drawingml/2011/main" val="1"/>
+                <ma14:wrappingTextBoxFlag xmlns:ma14="http://schemas.microsoft.com/office/mac/drawingml/2011/main" xmlns:a14="http://schemas.microsoft.com/office/drawing/2010/main" xmlns:m="http://schemas.openxmlformats.org/officeDocument/2006/math" xmlns="" val="1"/>
               </a:ext>
             </a:extLst>
           </p:spPr>
@@ -30508,7 +30508,7 @@
             <a:effectLst/>
             <a:extLst>
               <a:ext uri="{C572A759-6A51-4108-AA02-DFA0A04FC94B}">
-                <ma14:wrappingTextBoxFlag xmlns="" xmlns:m="http://schemas.openxmlformats.org/officeDocument/2006/math" xmlns:a14="http://schemas.microsoft.com/office/drawing/2010/main" xmlns:ma14="http://schemas.microsoft.com/office/mac/drawingml/2011/main" val="1"/>
+                <ma14:wrappingTextBoxFlag xmlns:ma14="http://schemas.microsoft.com/office/mac/drawingml/2011/main" xmlns:a14="http://schemas.microsoft.com/office/drawing/2010/main" xmlns:m="http://schemas.openxmlformats.org/officeDocument/2006/math" xmlns="" val="1"/>
               </a:ext>
             </a:extLst>
           </p:spPr>
@@ -30563,7 +30563,7 @@
             <a:effectLst/>
             <a:extLst>
               <a:ext uri="{C572A759-6A51-4108-AA02-DFA0A04FC94B}">
-                <ma14:wrappingTextBoxFlag xmlns="" xmlns:m="http://schemas.openxmlformats.org/officeDocument/2006/math" xmlns:a14="http://schemas.microsoft.com/office/drawing/2010/main" xmlns:ma14="http://schemas.microsoft.com/office/mac/drawingml/2011/main" val="1"/>
+                <ma14:wrappingTextBoxFlag xmlns:ma14="http://schemas.microsoft.com/office/mac/drawingml/2011/main" xmlns:a14="http://schemas.microsoft.com/office/drawing/2010/main" xmlns:m="http://schemas.openxmlformats.org/officeDocument/2006/math" xmlns="" val="1"/>
               </a:ext>
             </a:extLst>
           </p:spPr>
@@ -30670,7 +30670,7 @@
             <a:effectLst/>
             <a:extLst>
               <a:ext uri="{C572A759-6A51-4108-AA02-DFA0A04FC94B}">
-                <ma14:wrappingTextBoxFlag xmlns="" xmlns:m="http://schemas.openxmlformats.org/officeDocument/2006/math" xmlns:a14="http://schemas.microsoft.com/office/drawing/2010/main" xmlns:ma14="http://schemas.microsoft.com/office/mac/drawingml/2011/main" val="1"/>
+                <ma14:wrappingTextBoxFlag xmlns:ma14="http://schemas.microsoft.com/office/mac/drawingml/2011/main" xmlns:a14="http://schemas.microsoft.com/office/drawing/2010/main" xmlns:m="http://schemas.openxmlformats.org/officeDocument/2006/math" xmlns="" val="1"/>
               </a:ext>
             </a:extLst>
           </p:spPr>
@@ -30721,7 +30721,7 @@
             <a:effectLst/>
             <a:extLst>
               <a:ext uri="{C572A759-6A51-4108-AA02-DFA0A04FC94B}">
-                <ma14:wrappingTextBoxFlag xmlns="" xmlns:m="http://schemas.openxmlformats.org/officeDocument/2006/math" xmlns:a14="http://schemas.microsoft.com/office/drawing/2010/main" xmlns:ma14="http://schemas.microsoft.com/office/mac/drawingml/2011/main" val="1"/>
+                <ma14:wrappingTextBoxFlag xmlns:ma14="http://schemas.microsoft.com/office/mac/drawingml/2011/main" xmlns:a14="http://schemas.microsoft.com/office/drawing/2010/main" xmlns:m="http://schemas.openxmlformats.org/officeDocument/2006/math" xmlns="" val="1"/>
               </a:ext>
             </a:extLst>
           </p:spPr>
@@ -30813,7 +30813,7 @@
             <a:effectLst/>
             <a:extLst>
               <a:ext uri="{C572A759-6A51-4108-AA02-DFA0A04FC94B}">
-                <ma14:wrappingTextBoxFlag xmlns="" xmlns:m="http://schemas.openxmlformats.org/officeDocument/2006/math" xmlns:a14="http://schemas.microsoft.com/office/drawing/2010/main" xmlns:ma14="http://schemas.microsoft.com/office/mac/drawingml/2011/main" val="1"/>
+                <ma14:wrappingTextBoxFlag xmlns:ma14="http://schemas.microsoft.com/office/mac/drawingml/2011/main" xmlns:a14="http://schemas.microsoft.com/office/drawing/2010/main" xmlns:m="http://schemas.openxmlformats.org/officeDocument/2006/math" xmlns="" val="1"/>
               </a:ext>
             </a:extLst>
           </p:spPr>
@@ -30864,7 +30864,7 @@
             <a:effectLst/>
             <a:extLst>
               <a:ext uri="{C572A759-6A51-4108-AA02-DFA0A04FC94B}">
-                <ma14:wrappingTextBoxFlag xmlns="" xmlns:m="http://schemas.openxmlformats.org/officeDocument/2006/math" xmlns:a14="http://schemas.microsoft.com/office/drawing/2010/main" xmlns:ma14="http://schemas.microsoft.com/office/mac/drawingml/2011/main" val="1"/>
+                <ma14:wrappingTextBoxFlag xmlns:ma14="http://schemas.microsoft.com/office/mac/drawingml/2011/main" xmlns:a14="http://schemas.microsoft.com/office/drawing/2010/main" xmlns:m="http://schemas.openxmlformats.org/officeDocument/2006/math" xmlns="" val="1"/>
               </a:ext>
             </a:extLst>
           </p:spPr>
@@ -30919,7 +30919,7 @@
             <a:effectLst/>
             <a:extLst>
               <a:ext uri="{C572A759-6A51-4108-AA02-DFA0A04FC94B}">
-                <ma14:wrappingTextBoxFlag xmlns="" xmlns:m="http://schemas.openxmlformats.org/officeDocument/2006/math" xmlns:a14="http://schemas.microsoft.com/office/drawing/2010/main" xmlns:ma14="http://schemas.microsoft.com/office/mac/drawingml/2011/main" val="1"/>
+                <ma14:wrappingTextBoxFlag xmlns:ma14="http://schemas.microsoft.com/office/mac/drawingml/2011/main" xmlns:a14="http://schemas.microsoft.com/office/drawing/2010/main" xmlns:m="http://schemas.openxmlformats.org/officeDocument/2006/math" xmlns="" val="1"/>
               </a:ext>
             </a:extLst>
           </p:spPr>
@@ -30975,7 +30975,7 @@
           <a:effectLst/>
           <a:extLst>
             <a:ext uri="{C572A759-6A51-4108-AA02-DFA0A04FC94B}">
-              <ma14:wrappingTextBoxFlag xmlns="" xmlns:m="http://schemas.openxmlformats.org/officeDocument/2006/math" xmlns:a14="http://schemas.microsoft.com/office/drawing/2010/main" xmlns:ma14="http://schemas.microsoft.com/office/mac/drawingml/2011/main" val="1"/>
+              <ma14:wrappingTextBoxFlag xmlns:ma14="http://schemas.microsoft.com/office/mac/drawingml/2011/main" xmlns:a14="http://schemas.microsoft.com/office/drawing/2010/main" xmlns:m="http://schemas.openxmlformats.org/officeDocument/2006/math" xmlns="" val="1"/>
             </a:ext>
           </a:extLst>
         </p:spPr>
@@ -31088,7 +31088,7 @@
             <a:effectLst/>
             <a:extLst>
               <a:ext uri="{C572A759-6A51-4108-AA02-DFA0A04FC94B}">
-                <ma14:wrappingTextBoxFlag xmlns="" xmlns:m="http://schemas.openxmlformats.org/officeDocument/2006/math" xmlns:a14="http://schemas.microsoft.com/office/drawing/2010/main" xmlns:ma14="http://schemas.microsoft.com/office/mac/drawingml/2011/main" val="1"/>
+                <ma14:wrappingTextBoxFlag xmlns:ma14="http://schemas.microsoft.com/office/mac/drawingml/2011/main" xmlns:a14="http://schemas.microsoft.com/office/drawing/2010/main" xmlns:m="http://schemas.openxmlformats.org/officeDocument/2006/math" xmlns="" val="1"/>
               </a:ext>
             </a:extLst>
           </p:spPr>
@@ -31150,7 +31150,7 @@
             <a:effectLst/>
             <a:extLst>
               <a:ext uri="{C572A759-6A51-4108-AA02-DFA0A04FC94B}">
-                <ma14:wrappingTextBoxFlag xmlns="" xmlns:m="http://schemas.openxmlformats.org/officeDocument/2006/math" xmlns:a14="http://schemas.microsoft.com/office/drawing/2010/main" xmlns:ma14="http://schemas.microsoft.com/office/mac/drawingml/2011/main" val="1"/>
+                <ma14:wrappingTextBoxFlag xmlns:ma14="http://schemas.microsoft.com/office/mac/drawingml/2011/main" xmlns:a14="http://schemas.microsoft.com/office/drawing/2010/main" xmlns:m="http://schemas.openxmlformats.org/officeDocument/2006/math" xmlns="" val="1"/>
               </a:ext>
             </a:extLst>
           </p:spPr>
@@ -31215,7 +31215,7 @@
             <a:effectLst/>
             <a:extLst>
               <a:ext uri="{C572A759-6A51-4108-AA02-DFA0A04FC94B}">
-                <ma14:wrappingTextBoxFlag xmlns="" xmlns:m="http://schemas.openxmlformats.org/officeDocument/2006/math" xmlns:a14="http://schemas.microsoft.com/office/drawing/2010/main" xmlns:ma14="http://schemas.microsoft.com/office/mac/drawingml/2011/main" val="1"/>
+                <ma14:wrappingTextBoxFlag xmlns:ma14="http://schemas.microsoft.com/office/mac/drawingml/2011/main" xmlns:a14="http://schemas.microsoft.com/office/drawing/2010/main" xmlns:m="http://schemas.openxmlformats.org/officeDocument/2006/math" xmlns="" val="1"/>
               </a:ext>
             </a:extLst>
           </p:spPr>
@@ -31332,7 +31332,7 @@
             <a:effectLst/>
             <a:extLst>
               <a:ext uri="{C572A759-6A51-4108-AA02-DFA0A04FC94B}">
-                <ma14:wrappingTextBoxFlag xmlns="" xmlns:m="http://schemas.openxmlformats.org/officeDocument/2006/math" xmlns:a14="http://schemas.microsoft.com/office/drawing/2010/main" xmlns:ma14="http://schemas.microsoft.com/office/mac/drawingml/2011/main" val="1"/>
+                <ma14:wrappingTextBoxFlag xmlns:ma14="http://schemas.microsoft.com/office/mac/drawingml/2011/main" xmlns:a14="http://schemas.microsoft.com/office/drawing/2010/main" xmlns:m="http://schemas.openxmlformats.org/officeDocument/2006/math" xmlns="" val="1"/>
               </a:ext>
             </a:extLst>
           </p:spPr>
@@ -31394,7 +31394,7 @@
             <a:effectLst/>
             <a:extLst>
               <a:ext uri="{C572A759-6A51-4108-AA02-DFA0A04FC94B}">
-                <ma14:wrappingTextBoxFlag xmlns="" xmlns:m="http://schemas.openxmlformats.org/officeDocument/2006/math" xmlns:a14="http://schemas.microsoft.com/office/drawing/2010/main" xmlns:ma14="http://schemas.microsoft.com/office/mac/drawingml/2011/main" val="1"/>
+                <ma14:wrappingTextBoxFlag xmlns:ma14="http://schemas.microsoft.com/office/mac/drawingml/2011/main" xmlns:a14="http://schemas.microsoft.com/office/drawing/2010/main" xmlns:m="http://schemas.openxmlformats.org/officeDocument/2006/math" xmlns="" val="1"/>
               </a:ext>
             </a:extLst>
           </p:spPr>
@@ -31459,7 +31459,7 @@
             <a:effectLst/>
             <a:extLst>
               <a:ext uri="{C572A759-6A51-4108-AA02-DFA0A04FC94B}">
-                <ma14:wrappingTextBoxFlag xmlns="" xmlns:m="http://schemas.openxmlformats.org/officeDocument/2006/math" xmlns:a14="http://schemas.microsoft.com/office/drawing/2010/main" xmlns:ma14="http://schemas.microsoft.com/office/mac/drawingml/2011/main" val="1"/>
+                <ma14:wrappingTextBoxFlag xmlns:ma14="http://schemas.microsoft.com/office/mac/drawingml/2011/main" xmlns:a14="http://schemas.microsoft.com/office/drawing/2010/main" xmlns:m="http://schemas.openxmlformats.org/officeDocument/2006/math" xmlns="" val="1"/>
               </a:ext>
             </a:extLst>
           </p:spPr>
@@ -31576,7 +31576,7 @@
             <a:effectLst/>
             <a:extLst>
               <a:ext uri="{C572A759-6A51-4108-AA02-DFA0A04FC94B}">
-                <ma14:wrappingTextBoxFlag xmlns="" xmlns:m="http://schemas.openxmlformats.org/officeDocument/2006/math" xmlns:a14="http://schemas.microsoft.com/office/drawing/2010/main" xmlns:ma14="http://schemas.microsoft.com/office/mac/drawingml/2011/main" val="1"/>
+                <ma14:wrappingTextBoxFlag xmlns:ma14="http://schemas.microsoft.com/office/mac/drawingml/2011/main" xmlns:a14="http://schemas.microsoft.com/office/drawing/2010/main" xmlns:m="http://schemas.openxmlformats.org/officeDocument/2006/math" xmlns="" val="1"/>
               </a:ext>
             </a:extLst>
           </p:spPr>
@@ -31638,7 +31638,7 @@
             <a:effectLst/>
             <a:extLst>
               <a:ext uri="{C572A759-6A51-4108-AA02-DFA0A04FC94B}">
-                <ma14:wrappingTextBoxFlag xmlns="" xmlns:m="http://schemas.openxmlformats.org/officeDocument/2006/math" xmlns:a14="http://schemas.microsoft.com/office/drawing/2010/main" xmlns:ma14="http://schemas.microsoft.com/office/mac/drawingml/2011/main" val="1"/>
+                <ma14:wrappingTextBoxFlag xmlns:ma14="http://schemas.microsoft.com/office/mac/drawingml/2011/main" xmlns:a14="http://schemas.microsoft.com/office/drawing/2010/main" xmlns:m="http://schemas.openxmlformats.org/officeDocument/2006/math" xmlns="" val="1"/>
               </a:ext>
             </a:extLst>
           </p:spPr>
@@ -31699,7 +31699,7 @@
             <a:effectLst/>
             <a:extLst>
               <a:ext uri="{C572A759-6A51-4108-AA02-DFA0A04FC94B}">
-                <ma14:wrappingTextBoxFlag xmlns="" xmlns:m="http://schemas.openxmlformats.org/officeDocument/2006/math" xmlns:a14="http://schemas.microsoft.com/office/drawing/2010/main" xmlns:ma14="http://schemas.microsoft.com/office/mac/drawingml/2011/main" val="1"/>
+                <ma14:wrappingTextBoxFlag xmlns:ma14="http://schemas.microsoft.com/office/mac/drawingml/2011/main" xmlns:a14="http://schemas.microsoft.com/office/drawing/2010/main" xmlns:m="http://schemas.openxmlformats.org/officeDocument/2006/math" xmlns="" val="1"/>
               </a:ext>
             </a:extLst>
           </p:spPr>
@@ -31824,7 +31824,7 @@
             <a:effectLst/>
             <a:extLst>
               <a:ext uri="{C572A759-6A51-4108-AA02-DFA0A04FC94B}">
-                <ma14:wrappingTextBoxFlag xmlns="" xmlns:m="http://schemas.openxmlformats.org/officeDocument/2006/math" xmlns:a14="http://schemas.microsoft.com/office/drawing/2010/main" xmlns:ma14="http://schemas.microsoft.com/office/mac/drawingml/2011/main" val="1"/>
+                <ma14:wrappingTextBoxFlag xmlns:ma14="http://schemas.microsoft.com/office/mac/drawingml/2011/main" xmlns:a14="http://schemas.microsoft.com/office/drawing/2010/main" xmlns:m="http://schemas.openxmlformats.org/officeDocument/2006/math" xmlns="" val="1"/>
               </a:ext>
             </a:extLst>
           </p:spPr>
@@ -31886,7 +31886,7 @@
             <a:effectLst/>
             <a:extLst>
               <a:ext uri="{C572A759-6A51-4108-AA02-DFA0A04FC94B}">
-                <ma14:wrappingTextBoxFlag xmlns="" xmlns:m="http://schemas.openxmlformats.org/officeDocument/2006/math" xmlns:a14="http://schemas.microsoft.com/office/drawing/2010/main" xmlns:ma14="http://schemas.microsoft.com/office/mac/drawingml/2011/main" val="1"/>
+                <ma14:wrappingTextBoxFlag xmlns:ma14="http://schemas.microsoft.com/office/mac/drawingml/2011/main" xmlns:a14="http://schemas.microsoft.com/office/drawing/2010/main" xmlns:m="http://schemas.openxmlformats.org/officeDocument/2006/math" xmlns="" val="1"/>
               </a:ext>
             </a:extLst>
           </p:spPr>
@@ -31940,7 +31940,7 @@
             <a:effectLst/>
             <a:extLst>
               <a:ext uri="{C572A759-6A51-4108-AA02-DFA0A04FC94B}">
-                <ma14:wrappingTextBoxFlag xmlns="" xmlns:m="http://schemas.openxmlformats.org/officeDocument/2006/math" xmlns:a14="http://schemas.microsoft.com/office/drawing/2010/main" xmlns:ma14="http://schemas.microsoft.com/office/mac/drawingml/2011/main" val="1"/>
+                <ma14:wrappingTextBoxFlag xmlns:ma14="http://schemas.microsoft.com/office/mac/drawingml/2011/main" xmlns:a14="http://schemas.microsoft.com/office/drawing/2010/main" xmlns:m="http://schemas.openxmlformats.org/officeDocument/2006/math" xmlns="" val="1"/>
               </a:ext>
             </a:extLst>
           </p:spPr>
